--- a/线性表/数据结构可视化辅助理解，便于代码开发.pptx
+++ b/线性表/数据结构可视化辅助理解，便于代码开发.pptx
@@ -17,6 +17,7 @@
     <p:sldId id="265" r:id="rId11"/>
     <p:sldId id="266" r:id="rId12"/>
     <p:sldId id="268" r:id="rId13"/>
+    <p:sldId id="269" r:id="rId14"/>
   </p:sldIdLst>
   <p:sldSz cx="12192000" cy="6858000"/>
   <p:notesSz cx="6858000" cy="9144000"/>
@@ -270,7 +271,7 @@
           <a:p>
             <a:fld id="{00F45E2C-A052-4CA8-89FD-DA47DCEA70CB}" type="datetimeFigureOut">
               <a:rPr lang="zh-CN" altLang="en-US" smtClean="0"/>
-              <a:t>2019/5/29</a:t>
+              <a:t>2019/5/31</a:t>
             </a:fld>
             <a:endParaRPr lang="zh-CN" altLang="en-US"/>
           </a:p>
@@ -468,7 +469,7 @@
           <a:p>
             <a:fld id="{00F45E2C-A052-4CA8-89FD-DA47DCEA70CB}" type="datetimeFigureOut">
               <a:rPr lang="zh-CN" altLang="en-US" smtClean="0"/>
-              <a:t>2019/5/29</a:t>
+              <a:t>2019/5/31</a:t>
             </a:fld>
             <a:endParaRPr lang="zh-CN" altLang="en-US"/>
           </a:p>
@@ -676,7 +677,7 @@
           <a:p>
             <a:fld id="{00F45E2C-A052-4CA8-89FD-DA47DCEA70CB}" type="datetimeFigureOut">
               <a:rPr lang="zh-CN" altLang="en-US" smtClean="0"/>
-              <a:t>2019/5/29</a:t>
+              <a:t>2019/5/31</a:t>
             </a:fld>
             <a:endParaRPr lang="zh-CN" altLang="en-US"/>
           </a:p>
@@ -846,7 +847,7 @@
             <a:fld id="{00F45E2C-A052-4CA8-89FD-DA47DCEA70CB}" type="datetimeFigureOut">
               <a:rPr lang="zh-CN" altLang="en-US" smtClean="0"/>
               <a:pPr/>
-              <a:t>2019/5/29</a:t>
+              <a:t>2019/5/31</a:t>
             </a:fld>
             <a:endParaRPr lang="zh-CN" altLang="en-US"/>
           </a:p>
@@ -1274,7 +1275,7 @@
           <a:p>
             <a:fld id="{00F45E2C-A052-4CA8-89FD-DA47DCEA70CB}" type="datetimeFigureOut">
               <a:rPr lang="zh-CN" altLang="en-US" smtClean="0"/>
-              <a:t>2019/5/29</a:t>
+              <a:t>2019/5/31</a:t>
             </a:fld>
             <a:endParaRPr lang="zh-CN" altLang="en-US"/>
           </a:p>
@@ -1539,7 +1540,7 @@
           <a:p>
             <a:fld id="{00F45E2C-A052-4CA8-89FD-DA47DCEA70CB}" type="datetimeFigureOut">
               <a:rPr lang="zh-CN" altLang="en-US" smtClean="0"/>
-              <a:t>2019/5/29</a:t>
+              <a:t>2019/5/31</a:t>
             </a:fld>
             <a:endParaRPr lang="zh-CN" altLang="en-US"/>
           </a:p>
@@ -1951,7 +1952,7 @@
           <a:p>
             <a:fld id="{00F45E2C-A052-4CA8-89FD-DA47DCEA70CB}" type="datetimeFigureOut">
               <a:rPr lang="zh-CN" altLang="en-US" smtClean="0"/>
-              <a:t>2019/5/29</a:t>
+              <a:t>2019/5/31</a:t>
             </a:fld>
             <a:endParaRPr lang="zh-CN" altLang="en-US"/>
           </a:p>
@@ -2092,7 +2093,7 @@
           <a:p>
             <a:fld id="{00F45E2C-A052-4CA8-89FD-DA47DCEA70CB}" type="datetimeFigureOut">
               <a:rPr lang="zh-CN" altLang="en-US" smtClean="0"/>
-              <a:t>2019/5/29</a:t>
+              <a:t>2019/5/31</a:t>
             </a:fld>
             <a:endParaRPr lang="zh-CN" altLang="en-US"/>
           </a:p>
@@ -2205,7 +2206,7 @@
           <a:p>
             <a:fld id="{00F45E2C-A052-4CA8-89FD-DA47DCEA70CB}" type="datetimeFigureOut">
               <a:rPr lang="zh-CN" altLang="en-US" smtClean="0"/>
-              <a:t>2019/5/29</a:t>
+              <a:t>2019/5/31</a:t>
             </a:fld>
             <a:endParaRPr lang="zh-CN" altLang="en-US"/>
           </a:p>
@@ -2516,7 +2517,7 @@
           <a:p>
             <a:fld id="{00F45E2C-A052-4CA8-89FD-DA47DCEA70CB}" type="datetimeFigureOut">
               <a:rPr lang="zh-CN" altLang="en-US" smtClean="0"/>
-              <a:t>2019/5/29</a:t>
+              <a:t>2019/5/31</a:t>
             </a:fld>
             <a:endParaRPr lang="zh-CN" altLang="en-US"/>
           </a:p>
@@ -2804,7 +2805,7 @@
           <a:p>
             <a:fld id="{00F45E2C-A052-4CA8-89FD-DA47DCEA70CB}" type="datetimeFigureOut">
               <a:rPr lang="zh-CN" altLang="en-US" smtClean="0"/>
-              <a:t>2019/5/29</a:t>
+              <a:t>2019/5/31</a:t>
             </a:fld>
             <a:endParaRPr lang="zh-CN" altLang="en-US"/>
           </a:p>
@@ -3045,7 +3046,7 @@
           <a:p>
             <a:fld id="{00F45E2C-A052-4CA8-89FD-DA47DCEA70CB}" type="datetimeFigureOut">
               <a:rPr lang="zh-CN" altLang="en-US" smtClean="0"/>
-              <a:t>2019/5/29</a:t>
+              <a:t>2019/5/31</a:t>
             </a:fld>
             <a:endParaRPr lang="zh-CN" altLang="en-US"/>
           </a:p>
@@ -3476,7 +3477,7 @@
         </p:nvGrpSpPr>
         <p:grpSpPr>
           <a:xfrm>
-            <a:off x="2096610" y="2117319"/>
+            <a:off x="2256408" y="1435994"/>
             <a:ext cx="2823099" cy="727967"/>
             <a:chOff x="2521259" y="1704513"/>
             <a:chExt cx="2823099" cy="727967"/>
@@ -3691,7 +3692,7 @@
         </p:nvGrpSpPr>
         <p:grpSpPr>
           <a:xfrm>
-            <a:off x="5274817" y="2117319"/>
+            <a:off x="5434615" y="1435994"/>
             <a:ext cx="2823099" cy="727967"/>
             <a:chOff x="2521259" y="1704513"/>
             <a:chExt cx="2823099" cy="727967"/>
@@ -3911,7 +3912,7 @@
         </p:nvGrpSpPr>
         <p:grpSpPr>
           <a:xfrm>
-            <a:off x="8612821" y="2117319"/>
+            <a:off x="8772619" y="1435994"/>
             <a:ext cx="2823099" cy="727967"/>
             <a:chOff x="2521259" y="1704513"/>
             <a:chExt cx="2823099" cy="727967"/>
@@ -4126,7 +4127,7 @@
         </p:nvSpPr>
         <p:spPr>
           <a:xfrm>
-            <a:off x="622917" y="1389353"/>
+            <a:off x="782715" y="708028"/>
             <a:ext cx="941033" cy="727966"/>
           </a:xfrm>
           <a:prstGeom prst="rect">
@@ -4173,48 +4174,6 @@
       </p:sp>
       <p:cxnSp>
         <p:nvCxnSpPr>
-          <p:cNvPr id="20" name="连接符: 曲线 19">
-            <a:extLst>
-              <a:ext uri="{FF2B5EF4-FFF2-40B4-BE49-F238E27FC236}">
-                <a16:creationId xmlns:a16="http://schemas.microsoft.com/office/drawing/2014/main" id="{9A14F98B-8B06-48F7-BFA6-F1D53F914CED}"/>
-              </a:ext>
-            </a:extLst>
-          </p:cNvPr>
-          <p:cNvCxnSpPr>
-            <a:stCxn id="19" idx="3"/>
-            <a:endCxn id="7" idx="0"/>
-          </p:cNvCxnSpPr>
-          <p:nvPr/>
-        </p:nvCxnSpPr>
-        <p:spPr>
-          <a:xfrm>
-            <a:off x="1563950" y="1753336"/>
-            <a:ext cx="1944210" cy="363984"/>
-          </a:xfrm>
-          <a:prstGeom prst="curvedConnector2">
-            <a:avLst/>
-          </a:prstGeom>
-          <a:ln>
-            <a:tailEnd type="triangle"/>
-          </a:ln>
-        </p:spPr>
-        <p:style>
-          <a:lnRef idx="1">
-            <a:schemeClr val="accent1"/>
-          </a:lnRef>
-          <a:fillRef idx="0">
-            <a:schemeClr val="accent1"/>
-          </a:fillRef>
-          <a:effectRef idx="0">
-            <a:schemeClr val="accent1"/>
-          </a:effectRef>
-          <a:fontRef idx="minor">
-            <a:schemeClr val="tx1"/>
-          </a:fontRef>
-        </p:style>
-      </p:cxnSp>
-      <p:cxnSp>
-        <p:nvCxnSpPr>
           <p:cNvPr id="21" name="连接符: 曲线 20">
             <a:extLst>
               <a:ext uri="{FF2B5EF4-FFF2-40B4-BE49-F238E27FC236}">
@@ -4231,7 +4190,7 @@
         </p:nvCxnSpPr>
         <p:spPr>
           <a:xfrm rot="16200000" flipH="1">
-            <a:off x="5567779" y="998732"/>
+            <a:off x="5727577" y="317407"/>
             <a:ext cx="1" cy="2237174"/>
           </a:xfrm>
           <a:prstGeom prst="curvedConnector3">
@@ -4276,7 +4235,7 @@
         </p:nvCxnSpPr>
         <p:spPr>
           <a:xfrm rot="5400000">
-            <a:off x="4626747" y="1726698"/>
+            <a:off x="4786545" y="1045373"/>
             <a:ext cx="1" cy="2237174"/>
           </a:xfrm>
           <a:prstGeom prst="curvedConnector3">
@@ -4303,29 +4262,285 @@
           </a:fontRef>
         </p:style>
       </p:cxnSp>
+      <p:sp>
+        <p:nvSpPr>
+          <p:cNvPr id="33" name="箭头: 虚尾 32">
+            <a:extLst>
+              <a:ext uri="{FF2B5EF4-FFF2-40B4-BE49-F238E27FC236}">
+                <a16:creationId xmlns:a16="http://schemas.microsoft.com/office/drawing/2014/main" id="{7ACC20A5-91D1-419E-AE17-561A4D6A1C71}"/>
+              </a:ext>
+            </a:extLst>
+          </p:cNvPr>
+          <p:cNvSpPr/>
+          <p:nvPr/>
+        </p:nvSpPr>
+        <p:spPr>
+          <a:xfrm rot="16200000">
+            <a:off x="5726839" y="2629858"/>
+            <a:ext cx="1297619" cy="675094"/>
+          </a:xfrm>
+          <a:prstGeom prst="stripedRightArrow">
+            <a:avLst/>
+          </a:prstGeom>
+        </p:spPr>
+        <p:style>
+          <a:lnRef idx="2">
+            <a:schemeClr val="accent1">
+              <a:shade val="50000"/>
+            </a:schemeClr>
+          </a:lnRef>
+          <a:fillRef idx="1">
+            <a:schemeClr val="accent1"/>
+          </a:fillRef>
+          <a:effectRef idx="0">
+            <a:schemeClr val="accent1"/>
+          </a:effectRef>
+          <a:fontRef idx="minor">
+            <a:schemeClr val="lt1"/>
+          </a:fontRef>
+        </p:style>
+        <p:txBody>
+          <a:bodyPr rtlCol="0" anchor="ctr"/>
+          <a:lstStyle/>
+          <a:p>
+            <a:pPr algn="ctr"/>
+            <a:endParaRPr lang="zh-CN" altLang="en-US" dirty="0"/>
+          </a:p>
+        </p:txBody>
+      </p:sp>
+      <p:sp>
+        <p:nvSpPr>
+          <p:cNvPr id="34" name="文本框 33">
+            <a:extLst>
+              <a:ext uri="{FF2B5EF4-FFF2-40B4-BE49-F238E27FC236}">
+                <a16:creationId xmlns:a16="http://schemas.microsoft.com/office/drawing/2014/main" id="{1E72006A-33D9-454B-B383-58904AC8BFE3}"/>
+              </a:ext>
+            </a:extLst>
+          </p:cNvPr>
+          <p:cNvSpPr txBox="1"/>
+          <p:nvPr/>
+        </p:nvSpPr>
+        <p:spPr>
+          <a:xfrm>
+            <a:off x="3508159" y="469202"/>
+            <a:ext cx="4181376" cy="646331"/>
+          </a:xfrm>
+          <a:prstGeom prst="rect">
+            <a:avLst/>
+          </a:prstGeom>
+          <a:noFill/>
+        </p:spPr>
+        <p:txBody>
+          <a:bodyPr wrap="square" rtlCol="0">
+            <a:spAutoFit/>
+          </a:bodyPr>
+          <a:lstStyle/>
+          <a:p>
+            <a:r>
+              <a:rPr lang="zh-CN" altLang="en-US" dirty="0"/>
+              <a:t>当</a:t>
+            </a:r>
+            <a:r>
+              <a:rPr lang="en-US" altLang="zh-CN" dirty="0"/>
+              <a:t>pos=1</a:t>
+            </a:r>
+            <a:r>
+              <a:rPr lang="zh-CN" altLang="en-US" dirty="0"/>
+              <a:t>时，即任务要插在索引号</a:t>
+            </a:r>
+            <a:r>
+              <a:rPr lang="en-US" altLang="zh-CN" dirty="0"/>
+              <a:t>1</a:t>
+            </a:r>
+            <a:r>
+              <a:rPr lang="zh-CN" altLang="en-US" dirty="0"/>
+              <a:t>后面</a:t>
+            </a:r>
+            <a:endParaRPr lang="en-US" altLang="zh-CN" dirty="0"/>
+          </a:p>
+          <a:p>
+            <a:r>
+              <a:rPr lang="zh-CN" altLang="en-US" dirty="0"/>
+              <a:t>即当</a:t>
+            </a:r>
+            <a:r>
+              <a:rPr lang="en-US" altLang="zh-CN" dirty="0"/>
+              <a:t>count=2</a:t>
+            </a:r>
+            <a:r>
+              <a:rPr lang="zh-CN" altLang="en-US" dirty="0"/>
+              <a:t>时，终止循环</a:t>
+            </a:r>
+            <a:endParaRPr lang="en-US" altLang="zh-CN" dirty="0"/>
+          </a:p>
+        </p:txBody>
+      </p:sp>
+      <p:sp>
+        <p:nvSpPr>
+          <p:cNvPr id="35" name="箭头: 下 34">
+            <a:extLst>
+              <a:ext uri="{FF2B5EF4-FFF2-40B4-BE49-F238E27FC236}">
+                <a16:creationId xmlns:a16="http://schemas.microsoft.com/office/drawing/2014/main" id="{6349996D-799E-43C8-8C82-80FFED963F5D}"/>
+              </a:ext>
+            </a:extLst>
+          </p:cNvPr>
+          <p:cNvSpPr/>
+          <p:nvPr/>
+        </p:nvSpPr>
+        <p:spPr>
+          <a:xfrm>
+            <a:off x="2432484" y="24447"/>
+            <a:ext cx="214541" cy="1337982"/>
+          </a:xfrm>
+          <a:prstGeom prst="downArrow">
+            <a:avLst/>
+          </a:prstGeom>
+        </p:spPr>
+        <p:style>
+          <a:lnRef idx="2">
+            <a:schemeClr val="accent6">
+              <a:shade val="50000"/>
+            </a:schemeClr>
+          </a:lnRef>
+          <a:fillRef idx="1">
+            <a:schemeClr val="accent6"/>
+          </a:fillRef>
+          <a:effectRef idx="0">
+            <a:schemeClr val="accent6"/>
+          </a:effectRef>
+          <a:fontRef idx="minor">
+            <a:schemeClr val="lt1"/>
+          </a:fontRef>
+        </p:style>
+        <p:txBody>
+          <a:bodyPr rtlCol="0" anchor="ctr"/>
+          <a:lstStyle/>
+          <a:p>
+            <a:pPr algn="ctr"/>
+            <a:endParaRPr lang="zh-CN" altLang="en-US"/>
+          </a:p>
+        </p:txBody>
+      </p:sp>
+      <p:sp>
+        <p:nvSpPr>
+          <p:cNvPr id="36" name="文本框 35">
+            <a:extLst>
+              <a:ext uri="{FF2B5EF4-FFF2-40B4-BE49-F238E27FC236}">
+                <a16:creationId xmlns:a16="http://schemas.microsoft.com/office/drawing/2014/main" id="{E22BE7FB-88DE-44CA-BE96-826E0A36BEEC}"/>
+              </a:ext>
+            </a:extLst>
+          </p:cNvPr>
+          <p:cNvSpPr txBox="1"/>
+          <p:nvPr/>
+        </p:nvSpPr>
+        <p:spPr>
+          <a:xfrm>
+            <a:off x="9086297" y="396410"/>
+            <a:ext cx="2817179" cy="369332"/>
+          </a:xfrm>
+          <a:prstGeom prst="rect">
+            <a:avLst/>
+          </a:prstGeom>
+          <a:noFill/>
+        </p:spPr>
+        <p:txBody>
+          <a:bodyPr wrap="square" rtlCol="0">
+            <a:spAutoFit/>
+          </a:bodyPr>
+          <a:lstStyle/>
+          <a:p>
+            <a:r>
+              <a:rPr lang="zh-CN" altLang="en-US" dirty="0"/>
+              <a:t>在双向链表头部添加节点</a:t>
+            </a:r>
+            <a:endParaRPr lang="en-US" altLang="zh-CN" dirty="0"/>
+          </a:p>
+        </p:txBody>
+      </p:sp>
+      <p:sp>
+        <p:nvSpPr>
+          <p:cNvPr id="58" name="矩形 57">
+            <a:extLst>
+              <a:ext uri="{FF2B5EF4-FFF2-40B4-BE49-F238E27FC236}">
+                <a16:creationId xmlns:a16="http://schemas.microsoft.com/office/drawing/2014/main" id="{F113A09B-6E1D-46AD-8472-250A884A5642}"/>
+              </a:ext>
+            </a:extLst>
+          </p:cNvPr>
+          <p:cNvSpPr/>
+          <p:nvPr/>
+        </p:nvSpPr>
+        <p:spPr>
+          <a:xfrm>
+            <a:off x="578527" y="4865399"/>
+            <a:ext cx="941033" cy="727966"/>
+          </a:xfrm>
+          <a:prstGeom prst="rect">
+            <a:avLst/>
+          </a:prstGeom>
+          <a:solidFill>
+            <a:schemeClr val="accent3">
+              <a:lumMod val="40000"/>
+              <a:lumOff val="60000"/>
+            </a:schemeClr>
+          </a:solidFill>
+        </p:spPr>
+        <p:style>
+          <a:lnRef idx="2">
+            <a:schemeClr val="accent1">
+              <a:shade val="50000"/>
+            </a:schemeClr>
+          </a:lnRef>
+          <a:fillRef idx="1">
+            <a:schemeClr val="accent1"/>
+          </a:fillRef>
+          <a:effectRef idx="0">
+            <a:schemeClr val="accent1"/>
+          </a:effectRef>
+          <a:fontRef idx="minor">
+            <a:schemeClr val="lt1"/>
+          </a:fontRef>
+        </p:style>
+        <p:txBody>
+          <a:bodyPr rtlCol="0" anchor="ctr"/>
+          <a:lstStyle/>
+          <a:p>
+            <a:pPr algn="ctr"/>
+            <a:r>
+              <a:rPr lang="zh-CN" altLang="en-US" dirty="0">
+                <a:solidFill>
+                  <a:schemeClr val="tx1"/>
+                </a:solidFill>
+              </a:rPr>
+              <a:t>空指针</a:t>
+            </a:r>
+          </a:p>
+        </p:txBody>
+      </p:sp>
       <p:cxnSp>
         <p:nvCxnSpPr>
-          <p:cNvPr id="23" name="连接符: 曲线 22">
-            <a:extLst>
-              <a:ext uri="{FF2B5EF4-FFF2-40B4-BE49-F238E27FC236}">
-                <a16:creationId xmlns:a16="http://schemas.microsoft.com/office/drawing/2014/main" id="{29565F59-B9AF-414A-8A62-F63C28D59FC8}"/>
+          <p:cNvPr id="59" name="连接符: 曲线 58">
+            <a:extLst>
+              <a:ext uri="{FF2B5EF4-FFF2-40B4-BE49-F238E27FC236}">
+                <a16:creationId xmlns:a16="http://schemas.microsoft.com/office/drawing/2014/main" id="{038EFCA8-0393-4155-8284-6CCCD2F9915E}"/>
               </a:ext>
             </a:extLst>
           </p:cNvPr>
           <p:cNvCxnSpPr>
             <a:cxnSpLocks/>
-            <a:stCxn id="19" idx="3"/>
-            <a:endCxn id="28" idx="0"/>
+            <a:stCxn id="58" idx="0"/>
+            <a:endCxn id="64" idx="0"/>
           </p:cNvCxnSpPr>
           <p:nvPr/>
         </p:nvCxnSpPr>
         <p:spPr>
-          <a:xfrm>
-            <a:off x="1563950" y="1753336"/>
-            <a:ext cx="62144" cy="1531413"/>
-          </a:xfrm>
-          <a:prstGeom prst="curvedConnector2">
-            <a:avLst/>
+          <a:xfrm rot="16200000" flipH="1">
+            <a:off x="3754383" y="2160059"/>
+            <a:ext cx="68325" cy="5479004"/>
+          </a:xfrm>
+          <a:prstGeom prst="curvedConnector3">
+            <a:avLst>
+              <a:gd name="adj1" fmla="val -334577"/>
+            </a:avLst>
           </a:prstGeom>
           <a:ln>
             <a:tailEnd type="triangle"/>
@@ -4346,57 +4561,12 @@
           </a:fontRef>
         </p:style>
       </p:cxnSp>
-      <p:cxnSp>
-        <p:nvCxnSpPr>
-          <p:cNvPr id="24" name="连接符: 曲线 23">
-            <a:extLst>
-              <a:ext uri="{FF2B5EF4-FFF2-40B4-BE49-F238E27FC236}">
-                <a16:creationId xmlns:a16="http://schemas.microsoft.com/office/drawing/2014/main" id="{609C1797-5248-477E-B72E-452086E3825F}"/>
-              </a:ext>
-            </a:extLst>
-          </p:cNvPr>
-          <p:cNvCxnSpPr>
-            <a:cxnSpLocks/>
-            <a:stCxn id="6" idx="2"/>
-            <a:endCxn id="28" idx="2"/>
-          </p:cNvCxnSpPr>
-          <p:nvPr/>
-        </p:nvCxnSpPr>
-        <p:spPr>
-          <a:xfrm rot="5400000">
-            <a:off x="1512896" y="2958484"/>
-            <a:ext cx="1167430" cy="941033"/>
-          </a:xfrm>
-          <a:prstGeom prst="curvedConnector3">
-            <a:avLst>
-              <a:gd name="adj1" fmla="val 119581"/>
-            </a:avLst>
-          </a:prstGeom>
-          <a:ln>
-            <a:tailEnd type="triangle"/>
-          </a:ln>
-        </p:spPr>
-        <p:style>
-          <a:lnRef idx="1">
-            <a:schemeClr val="accent2"/>
-          </a:lnRef>
-          <a:fillRef idx="0">
-            <a:schemeClr val="accent2"/>
-          </a:fillRef>
-          <a:effectRef idx="0">
-            <a:schemeClr val="accent2"/>
-          </a:effectRef>
-          <a:fontRef idx="minor">
-            <a:schemeClr val="tx1"/>
-          </a:fontRef>
-        </p:style>
-      </p:cxnSp>
       <p:grpSp>
         <p:nvGrpSpPr>
-          <p:cNvPr id="25" name="组合 24">
-            <a:extLst>
-              <a:ext uri="{FF2B5EF4-FFF2-40B4-BE49-F238E27FC236}">
-                <a16:creationId xmlns:a16="http://schemas.microsoft.com/office/drawing/2014/main" id="{09723D42-E814-41F7-B4AB-A4010E17CC4A}"/>
+          <p:cNvPr id="61" name="组合 60">
+            <a:extLst>
+              <a:ext uri="{FF2B5EF4-FFF2-40B4-BE49-F238E27FC236}">
+                <a16:creationId xmlns:a16="http://schemas.microsoft.com/office/drawing/2014/main" id="{7639441A-0924-43E1-84C2-8FEA1CBC153B}"/>
               </a:ext>
             </a:extLst>
           </p:cNvPr>
@@ -4405,7 +4575,7 @@
         </p:nvGrpSpPr>
         <p:grpSpPr>
           <a:xfrm>
-            <a:off x="214544" y="3284748"/>
+            <a:off x="5116498" y="4933723"/>
             <a:ext cx="2823099" cy="727967"/>
             <a:chOff x="2521259" y="1704513"/>
             <a:chExt cx="2823099" cy="727967"/>
@@ -4413,10 +4583,10 @@
         </p:grpSpPr>
         <p:grpSp>
           <p:nvGrpSpPr>
-            <p:cNvPr id="26" name="组合 25">
+            <p:cNvPr id="62" name="组合 61">
               <a:extLst>
                 <a:ext uri="{FF2B5EF4-FFF2-40B4-BE49-F238E27FC236}">
-                  <a16:creationId xmlns:a16="http://schemas.microsoft.com/office/drawing/2014/main" id="{D576C37A-0E89-4896-99B3-773C2CF3D0B5}"/>
+                  <a16:creationId xmlns:a16="http://schemas.microsoft.com/office/drawing/2014/main" id="{3ACEFD30-95F8-4859-8ADC-3E5802C3B060}"/>
                 </a:ext>
               </a:extLst>
             </p:cNvPr>
@@ -4439,10 +4609,10 @@
           </p:grpSpPr>
           <p:sp>
             <p:nvSpPr>
-              <p:cNvPr id="28" name="矩形 27">
+              <p:cNvPr id="64" name="矩形 63">
                 <a:extLst>
                   <a:ext uri="{FF2B5EF4-FFF2-40B4-BE49-F238E27FC236}">
-                    <a16:creationId xmlns:a16="http://schemas.microsoft.com/office/drawing/2014/main" id="{8367C798-F720-4E5C-997E-DC9E81C21209}"/>
+                    <a16:creationId xmlns:a16="http://schemas.microsoft.com/office/drawing/2014/main" id="{03728759-A6B9-43D0-BA12-841D6C09B07B}"/>
                   </a:ext>
                 </a:extLst>
               </p:cNvPr>
@@ -4493,10 +4663,10 @@
           </p:sp>
           <p:sp>
             <p:nvSpPr>
-              <p:cNvPr id="29" name="矩形 28">
+              <p:cNvPr id="65" name="矩形 64">
                 <a:extLst>
                   <a:ext uri="{FF2B5EF4-FFF2-40B4-BE49-F238E27FC236}">
-                    <a16:creationId xmlns:a16="http://schemas.microsoft.com/office/drawing/2014/main" id="{A7A464EC-3411-45A4-8A79-7D71A36F19AF}"/>
+                    <a16:creationId xmlns:a16="http://schemas.microsoft.com/office/drawing/2014/main" id="{9B8A3BCC-FEB6-4104-98A3-EF3EEFB80628}"/>
                   </a:ext>
                 </a:extLst>
               </p:cNvPr>
@@ -4548,10 +4718,10 @@
         </p:grpSp>
         <p:sp>
           <p:nvSpPr>
-            <p:cNvPr id="27" name="矩形 26">
+            <p:cNvPr id="63" name="矩形 62">
               <a:extLst>
                 <a:ext uri="{FF2B5EF4-FFF2-40B4-BE49-F238E27FC236}">
-                  <a16:creationId xmlns:a16="http://schemas.microsoft.com/office/drawing/2014/main" id="{92A6DDD2-FAEB-4D8A-98AD-25BF7EDE0B38}"/>
+                  <a16:creationId xmlns:a16="http://schemas.microsoft.com/office/drawing/2014/main" id="{AF954C5F-E546-4F09-A048-70EFEEA16191}"/>
                 </a:ext>
               </a:extLst>
             </p:cNvPr>
@@ -4608,28 +4778,71 @@
       </p:grpSp>
       <p:cxnSp>
         <p:nvCxnSpPr>
-          <p:cNvPr id="30" name="连接符: 曲线 29">
-            <a:extLst>
-              <a:ext uri="{FF2B5EF4-FFF2-40B4-BE49-F238E27FC236}">
-                <a16:creationId xmlns:a16="http://schemas.microsoft.com/office/drawing/2014/main" id="{C02109DD-3AD9-4D99-A66A-1D48871AB835}"/>
+          <p:cNvPr id="75" name="直接连接符 74">
+            <a:extLst>
+              <a:ext uri="{FF2B5EF4-FFF2-40B4-BE49-F238E27FC236}">
+                <a16:creationId xmlns:a16="http://schemas.microsoft.com/office/drawing/2014/main" id="{67C1CBC5-2DCB-4CF3-A577-56193F5251C3}"/>
               </a:ext>
             </a:extLst>
           </p:cNvPr>
           <p:cNvCxnSpPr>
             <a:cxnSpLocks/>
-            <a:stCxn id="27" idx="1"/>
-            <a:endCxn id="19" idx="1"/>
           </p:cNvCxnSpPr>
           <p:nvPr/>
         </p:nvCxnSpPr>
         <p:spPr>
-          <a:xfrm rot="10800000" flipH="1">
-            <a:off x="214543" y="1753337"/>
-            <a:ext cx="408373" cy="1895395"/>
+          <a:xfrm>
+            <a:off x="0" y="4412203"/>
+            <a:ext cx="12192000" cy="0"/>
+          </a:xfrm>
+          <a:prstGeom prst="line">
+            <a:avLst/>
+          </a:prstGeom>
+          <a:ln w="38100">
+            <a:solidFill>
+              <a:srgbClr val="00B050"/>
+            </a:solidFill>
+          </a:ln>
+        </p:spPr>
+        <p:style>
+          <a:lnRef idx="1">
+            <a:schemeClr val="accent1"/>
+          </a:lnRef>
+          <a:fillRef idx="0">
+            <a:schemeClr val="accent1"/>
+          </a:fillRef>
+          <a:effectRef idx="0">
+            <a:schemeClr val="accent1"/>
+          </a:effectRef>
+          <a:fontRef idx="minor">
+            <a:schemeClr val="tx1"/>
+          </a:fontRef>
+        </p:style>
+      </p:cxnSp>
+      <p:cxnSp>
+        <p:nvCxnSpPr>
+          <p:cNvPr id="79" name="连接符: 曲线 78">
+            <a:extLst>
+              <a:ext uri="{FF2B5EF4-FFF2-40B4-BE49-F238E27FC236}">
+                <a16:creationId xmlns:a16="http://schemas.microsoft.com/office/drawing/2014/main" id="{54876F4F-9A1B-4CCC-B134-C08A150BAF78}"/>
+              </a:ext>
+            </a:extLst>
+          </p:cNvPr>
+          <p:cNvCxnSpPr>
+            <a:cxnSpLocks/>
+            <a:stCxn id="63" idx="2"/>
+            <a:endCxn id="58" idx="2"/>
+          </p:cNvCxnSpPr>
+          <p:nvPr/>
+        </p:nvCxnSpPr>
+        <p:spPr>
+          <a:xfrm rot="5400000" flipH="1">
+            <a:off x="3283868" y="3358542"/>
+            <a:ext cx="68324" cy="4537971"/>
           </a:xfrm>
           <a:prstGeom prst="curvedConnector3">
             <a:avLst>
-              <a:gd name="adj1" fmla="val -55978"/>
+              <a:gd name="adj1" fmla="val -334582"/>
             </a:avLst>
           </a:prstGeom>
           <a:ln>
@@ -4653,27 +4866,69 @@
       </p:cxnSp>
       <p:cxnSp>
         <p:nvCxnSpPr>
-          <p:cNvPr id="31" name="连接符: 曲线 30">
-            <a:extLst>
-              <a:ext uri="{FF2B5EF4-FFF2-40B4-BE49-F238E27FC236}">
-                <a16:creationId xmlns:a16="http://schemas.microsoft.com/office/drawing/2014/main" id="{F89C290B-B324-4A66-AEE5-A292FC27FB3F}"/>
+          <p:cNvPr id="82" name="连接符: 曲线 81">
+            <a:extLst>
+              <a:ext uri="{FF2B5EF4-FFF2-40B4-BE49-F238E27FC236}">
+                <a16:creationId xmlns:a16="http://schemas.microsoft.com/office/drawing/2014/main" id="{D8D47031-375A-43AF-9B06-8A736903F5A3}"/>
               </a:ext>
             </a:extLst>
           </p:cNvPr>
           <p:cNvCxnSpPr>
             <a:cxnSpLocks/>
+            <a:endCxn id="58" idx="2"/>
           </p:cNvCxnSpPr>
           <p:nvPr/>
         </p:nvCxnSpPr>
         <p:spPr>
-          <a:xfrm rot="16200000" flipH="1">
-            <a:off x="7352929" y="2391791"/>
-            <a:ext cx="1846561" cy="1297618"/>
-          </a:xfrm>
-          <a:prstGeom prst="curvedConnector3">
-            <a:avLst>
-              <a:gd name="adj1" fmla="val -12380"/>
-            </a:avLst>
+          <a:xfrm rot="10800000">
+            <a:off x="1049045" y="5593365"/>
+            <a:ext cx="6550245" cy="68324"/>
+          </a:xfrm>
+          <a:prstGeom prst="curvedConnector2">
+            <a:avLst/>
+          </a:prstGeom>
+          <a:ln>
+            <a:tailEnd type="triangle"/>
+          </a:ln>
+        </p:spPr>
+        <p:style>
+          <a:lnRef idx="1">
+            <a:schemeClr val="accent2"/>
+          </a:lnRef>
+          <a:fillRef idx="0">
+            <a:schemeClr val="accent2"/>
+          </a:fillRef>
+          <a:effectRef idx="0">
+            <a:schemeClr val="accent2"/>
+          </a:effectRef>
+          <a:fontRef idx="minor">
+            <a:schemeClr val="tx1"/>
+          </a:fontRef>
+        </p:style>
+      </p:cxnSp>
+      <p:cxnSp>
+        <p:nvCxnSpPr>
+          <p:cNvPr id="92" name="连接符: 曲线 91">
+            <a:extLst>
+              <a:ext uri="{FF2B5EF4-FFF2-40B4-BE49-F238E27FC236}">
+                <a16:creationId xmlns:a16="http://schemas.microsoft.com/office/drawing/2014/main" id="{52516585-1EA1-4997-BA68-C8D55599F9F0}"/>
+              </a:ext>
+            </a:extLst>
+          </p:cNvPr>
+          <p:cNvCxnSpPr>
+            <a:cxnSpLocks/>
+            <a:stCxn id="19" idx="3"/>
+            <a:endCxn id="7" idx="0"/>
+          </p:cNvCxnSpPr>
+          <p:nvPr/>
+        </p:nvCxnSpPr>
+        <p:spPr>
+          <a:xfrm>
+            <a:off x="1723748" y="1072011"/>
+            <a:ext cx="1944210" cy="363984"/>
+          </a:xfrm>
+          <a:prstGeom prst="curvedConnector2">
+            <a:avLst/>
           </a:prstGeom>
           <a:ln>
             <a:tailEnd type="triangle"/>
@@ -4696,28 +4951,28 @@
       </p:cxnSp>
       <p:cxnSp>
         <p:nvCxnSpPr>
-          <p:cNvPr id="32" name="连接符: 曲线 31">
-            <a:extLst>
-              <a:ext uri="{FF2B5EF4-FFF2-40B4-BE49-F238E27FC236}">
-                <a16:creationId xmlns:a16="http://schemas.microsoft.com/office/drawing/2014/main" id="{C0FE1EE4-D1CD-415C-9B3D-66A29FDF1274}"/>
+          <p:cNvPr id="95" name="连接符: 曲线 94">
+            <a:extLst>
+              <a:ext uri="{FF2B5EF4-FFF2-40B4-BE49-F238E27FC236}">
+                <a16:creationId xmlns:a16="http://schemas.microsoft.com/office/drawing/2014/main" id="{5B324ACB-BEDB-4308-82F7-B05BA608232C}"/>
               </a:ext>
             </a:extLst>
           </p:cNvPr>
           <p:cNvCxnSpPr>
             <a:cxnSpLocks/>
-            <a:stCxn id="29" idx="0"/>
-            <a:endCxn id="7" idx="2"/>
+            <a:stCxn id="6" idx="2"/>
+            <a:endCxn id="19" idx="2"/>
           </p:cNvCxnSpPr>
           <p:nvPr/>
         </p:nvCxnSpPr>
         <p:spPr>
-          <a:xfrm rot="5400000" flipH="1" flipV="1">
-            <a:off x="2817912" y="2594501"/>
-            <a:ext cx="439462" cy="941033"/>
+          <a:xfrm rot="5400000" flipH="1">
+            <a:off x="1626096" y="1063131"/>
+            <a:ext cx="727966" cy="1473693"/>
           </a:xfrm>
           <a:prstGeom prst="curvedConnector3">
             <a:avLst>
-              <a:gd name="adj1" fmla="val 50000"/>
+              <a:gd name="adj1" fmla="val -31403"/>
             </a:avLst>
           </a:prstGeom>
           <a:ln>
@@ -4726,214 +4981,65 @@
         </p:spPr>
         <p:style>
           <a:lnRef idx="1">
-            <a:schemeClr val="accent1"/>
+            <a:schemeClr val="accent2"/>
           </a:lnRef>
           <a:fillRef idx="0">
-            <a:schemeClr val="accent1"/>
+            <a:schemeClr val="accent2"/>
           </a:fillRef>
           <a:effectRef idx="0">
-            <a:schemeClr val="accent1"/>
+            <a:schemeClr val="accent2"/>
           </a:effectRef>
           <a:fontRef idx="minor">
             <a:schemeClr val="tx1"/>
           </a:fontRef>
         </p:style>
       </p:cxnSp>
-      <p:sp>
-        <p:nvSpPr>
-          <p:cNvPr id="33" name="箭头: 虚尾 32">
-            <a:extLst>
-              <a:ext uri="{FF2B5EF4-FFF2-40B4-BE49-F238E27FC236}">
-                <a16:creationId xmlns:a16="http://schemas.microsoft.com/office/drawing/2014/main" id="{7ACC20A5-91D1-419E-AE17-561A4D6A1C71}"/>
-              </a:ext>
-            </a:extLst>
-          </p:cNvPr>
-          <p:cNvSpPr/>
-          <p:nvPr/>
-        </p:nvSpPr>
-        <p:spPr>
-          <a:xfrm rot="16200000">
-            <a:off x="2934615" y="3376279"/>
-            <a:ext cx="1297619" cy="675094"/>
-          </a:xfrm>
-          <a:prstGeom prst="stripedRightArrow">
-            <a:avLst/>
-          </a:prstGeom>
+      <p:cxnSp>
+        <p:nvCxnSpPr>
+          <p:cNvPr id="104" name="连接符: 曲线 103">
+            <a:extLst>
+              <a:ext uri="{FF2B5EF4-FFF2-40B4-BE49-F238E27FC236}">
+                <a16:creationId xmlns:a16="http://schemas.microsoft.com/office/drawing/2014/main" id="{10A2B0F6-2F66-4F9A-BC5F-F762DCCB2A8C}"/>
+              </a:ext>
+            </a:extLst>
+          </p:cNvPr>
+          <p:cNvCxnSpPr>
+            <a:cxnSpLocks/>
+            <a:stCxn id="13" idx="3"/>
+            <a:endCxn id="7" idx="2"/>
+          </p:cNvCxnSpPr>
+          <p:nvPr/>
+        </p:nvCxnSpPr>
+        <p:spPr>
+          <a:xfrm flipH="1">
+            <a:off x="3667958" y="1799977"/>
+            <a:ext cx="4589756" cy="363984"/>
+          </a:xfrm>
+          <a:prstGeom prst="curvedConnector4">
+            <a:avLst>
+              <a:gd name="adj1" fmla="val -4981"/>
+              <a:gd name="adj2" fmla="val 418903"/>
+            </a:avLst>
+          </a:prstGeom>
+          <a:ln>
+            <a:tailEnd type="triangle"/>
+          </a:ln>
         </p:spPr>
         <p:style>
-          <a:lnRef idx="2">
-            <a:schemeClr val="accent1">
-              <a:shade val="50000"/>
-            </a:schemeClr>
+          <a:lnRef idx="1">
+            <a:schemeClr val="accent2"/>
           </a:lnRef>
-          <a:fillRef idx="1">
-            <a:schemeClr val="accent1"/>
+          <a:fillRef idx="0">
+            <a:schemeClr val="accent2"/>
           </a:fillRef>
           <a:effectRef idx="0">
-            <a:schemeClr val="accent1"/>
+            <a:schemeClr val="accent2"/>
           </a:effectRef>
           <a:fontRef idx="minor">
-            <a:schemeClr val="lt1"/>
+            <a:schemeClr val="tx1"/>
           </a:fontRef>
         </p:style>
-        <p:txBody>
-          <a:bodyPr rtlCol="0" anchor="ctr"/>
-          <a:lstStyle/>
-          <a:p>
-            <a:pPr algn="ctr"/>
-            <a:endParaRPr lang="zh-CN" altLang="en-US" dirty="0"/>
-          </a:p>
-        </p:txBody>
-      </p:sp>
-      <p:sp>
-        <p:nvSpPr>
-          <p:cNvPr id="34" name="文本框 33">
-            <a:extLst>
-              <a:ext uri="{FF2B5EF4-FFF2-40B4-BE49-F238E27FC236}">
-                <a16:creationId xmlns:a16="http://schemas.microsoft.com/office/drawing/2014/main" id="{1E72006A-33D9-454B-B383-58904AC8BFE3}"/>
-              </a:ext>
-            </a:extLst>
-          </p:cNvPr>
-          <p:cNvSpPr txBox="1"/>
-          <p:nvPr/>
-        </p:nvSpPr>
-        <p:spPr>
-          <a:xfrm>
-            <a:off x="3508159" y="469202"/>
-            <a:ext cx="4181376" cy="646331"/>
-          </a:xfrm>
-          <a:prstGeom prst="rect">
-            <a:avLst/>
-          </a:prstGeom>
-          <a:noFill/>
-        </p:spPr>
-        <p:txBody>
-          <a:bodyPr wrap="square" rtlCol="0">
-            <a:spAutoFit/>
-          </a:bodyPr>
-          <a:lstStyle/>
-          <a:p>
-            <a:r>
-              <a:rPr lang="zh-CN" altLang="en-US" dirty="0"/>
-              <a:t>当</a:t>
-            </a:r>
-            <a:r>
-              <a:rPr lang="en-US" altLang="zh-CN" dirty="0"/>
-              <a:t>pos=1</a:t>
-            </a:r>
-            <a:r>
-              <a:rPr lang="zh-CN" altLang="en-US" dirty="0"/>
-              <a:t>时，即任务要插在索引号</a:t>
-            </a:r>
-            <a:r>
-              <a:rPr lang="en-US" altLang="zh-CN" dirty="0"/>
-              <a:t>1</a:t>
-            </a:r>
-            <a:r>
-              <a:rPr lang="zh-CN" altLang="en-US" dirty="0"/>
-              <a:t>后面</a:t>
-            </a:r>
-            <a:endParaRPr lang="en-US" altLang="zh-CN" dirty="0"/>
-          </a:p>
-          <a:p>
-            <a:r>
-              <a:rPr lang="zh-CN" altLang="en-US" dirty="0"/>
-              <a:t>即当</a:t>
-            </a:r>
-            <a:r>
-              <a:rPr lang="en-US" altLang="zh-CN" dirty="0"/>
-              <a:t>count=2</a:t>
-            </a:r>
-            <a:r>
-              <a:rPr lang="zh-CN" altLang="en-US" dirty="0"/>
-              <a:t>时，终止循环</a:t>
-            </a:r>
-            <a:endParaRPr lang="en-US" altLang="zh-CN" dirty="0"/>
-          </a:p>
-        </p:txBody>
-      </p:sp>
-      <p:sp>
-        <p:nvSpPr>
-          <p:cNvPr id="35" name="箭头: 下 34">
-            <a:extLst>
-              <a:ext uri="{FF2B5EF4-FFF2-40B4-BE49-F238E27FC236}">
-                <a16:creationId xmlns:a16="http://schemas.microsoft.com/office/drawing/2014/main" id="{6349996D-799E-43C8-8C82-80FFED963F5D}"/>
-              </a:ext>
-            </a:extLst>
-          </p:cNvPr>
-          <p:cNvSpPr/>
-          <p:nvPr/>
-        </p:nvSpPr>
-        <p:spPr>
-          <a:xfrm>
-            <a:off x="1723009" y="123376"/>
-            <a:ext cx="214541" cy="1337982"/>
-          </a:xfrm>
-          <a:prstGeom prst="downArrow">
-            <a:avLst/>
-          </a:prstGeom>
-        </p:spPr>
-        <p:style>
-          <a:lnRef idx="2">
-            <a:schemeClr val="accent6">
-              <a:shade val="50000"/>
-            </a:schemeClr>
-          </a:lnRef>
-          <a:fillRef idx="1">
-            <a:schemeClr val="accent6"/>
-          </a:fillRef>
-          <a:effectRef idx="0">
-            <a:schemeClr val="accent6"/>
-          </a:effectRef>
-          <a:fontRef idx="minor">
-            <a:schemeClr val="lt1"/>
-          </a:fontRef>
-        </p:style>
-        <p:txBody>
-          <a:bodyPr rtlCol="0" anchor="ctr"/>
-          <a:lstStyle/>
-          <a:p>
-            <a:pPr algn="ctr"/>
-            <a:endParaRPr lang="zh-CN" altLang="en-US"/>
-          </a:p>
-        </p:txBody>
-      </p:sp>
-      <p:sp>
-        <p:nvSpPr>
-          <p:cNvPr id="36" name="文本框 35">
-            <a:extLst>
-              <a:ext uri="{FF2B5EF4-FFF2-40B4-BE49-F238E27FC236}">
-                <a16:creationId xmlns:a16="http://schemas.microsoft.com/office/drawing/2014/main" id="{E22BE7FB-88DE-44CA-BE96-826E0A36BEEC}"/>
-              </a:ext>
-            </a:extLst>
-          </p:cNvPr>
-          <p:cNvSpPr txBox="1"/>
-          <p:nvPr/>
-        </p:nvSpPr>
-        <p:spPr>
-          <a:xfrm>
-            <a:off x="9086297" y="396410"/>
-            <a:ext cx="2817179" cy="369332"/>
-          </a:xfrm>
-          <a:prstGeom prst="rect">
-            <a:avLst/>
-          </a:prstGeom>
-          <a:noFill/>
-        </p:spPr>
-        <p:txBody>
-          <a:bodyPr wrap="square" rtlCol="0">
-            <a:spAutoFit/>
-          </a:bodyPr>
-          <a:lstStyle/>
-          <a:p>
-            <a:r>
-              <a:rPr lang="zh-CN" altLang="en-US" dirty="0"/>
-              <a:t>在双向链表头部添加节点</a:t>
-            </a:r>
-            <a:endParaRPr lang="en-US" altLang="zh-CN" dirty="0"/>
-          </a:p>
-        </p:txBody>
-      </p:sp>
+      </p:cxnSp>
     </p:spTree>
     <p:extLst>
       <p:ext uri="{BB962C8B-B14F-4D97-AF65-F5344CB8AC3E}">
@@ -10244,6 +10350,941 @@
     <p:extLst>
       <p:ext uri="{BB962C8B-B14F-4D97-AF65-F5344CB8AC3E}">
         <p14:creationId xmlns:p14="http://schemas.microsoft.com/office/powerpoint/2010/main" val="620756341"/>
+      </p:ext>
+    </p:extLst>
+  </p:cSld>
+  <p:clrMapOvr>
+    <a:masterClrMapping/>
+  </p:clrMapOvr>
+</p:sld>
+</file>
+
+<file path=ppt/slides/slide13.xml><?xml version="1.0" encoding="utf-8"?>
+<p:sld xmlns:a="http://schemas.openxmlformats.org/drawingml/2006/main" xmlns:r="http://schemas.openxmlformats.org/officeDocument/2006/relationships" xmlns:p="http://schemas.openxmlformats.org/presentationml/2006/main">
+  <p:cSld>
+    <p:spTree>
+      <p:nvGrpSpPr>
+        <p:cNvPr id="1" name=""/>
+        <p:cNvGrpSpPr/>
+        <p:nvPr/>
+      </p:nvGrpSpPr>
+      <p:grpSpPr>
+        <a:xfrm>
+          <a:off x="0" y="0"/>
+          <a:ext cx="0" cy="0"/>
+          <a:chOff x="0" y="0"/>
+          <a:chExt cx="0" cy="0"/>
+        </a:xfrm>
+      </p:grpSpPr>
+      <p:grpSp>
+        <p:nvGrpSpPr>
+          <p:cNvPr id="6" name="组合 5">
+            <a:extLst>
+              <a:ext uri="{FF2B5EF4-FFF2-40B4-BE49-F238E27FC236}">
+                <a16:creationId xmlns:a16="http://schemas.microsoft.com/office/drawing/2014/main" id="{E5988A8C-A147-4FC3-B8E9-E96F24282FAA}"/>
+              </a:ext>
+            </a:extLst>
+          </p:cNvPr>
+          <p:cNvGrpSpPr/>
+          <p:nvPr/>
+        </p:nvGrpSpPr>
+        <p:grpSpPr>
+          <a:xfrm>
+            <a:off x="2574524" y="2121763"/>
+            <a:ext cx="1882066" cy="727967"/>
+            <a:chOff x="1074198" y="1748900"/>
+            <a:chExt cx="2645546" cy="781236"/>
+          </a:xfrm>
+          <a:solidFill>
+            <a:schemeClr val="accent3">
+              <a:lumMod val="40000"/>
+              <a:lumOff val="60000"/>
+            </a:schemeClr>
+          </a:solidFill>
+        </p:grpSpPr>
+        <p:sp>
+          <p:nvSpPr>
+            <p:cNvPr id="4" name="矩形 3">
+              <a:extLst>
+                <a:ext uri="{FF2B5EF4-FFF2-40B4-BE49-F238E27FC236}">
+                  <a16:creationId xmlns:a16="http://schemas.microsoft.com/office/drawing/2014/main" id="{4B68FA7B-1A81-4493-9534-F93F52076967}"/>
+                </a:ext>
+              </a:extLst>
+            </p:cNvPr>
+            <p:cNvSpPr/>
+            <p:nvPr/>
+          </p:nvSpPr>
+          <p:spPr>
+            <a:xfrm>
+              <a:off x="1074198" y="1748901"/>
+              <a:ext cx="1322773" cy="781235"/>
+            </a:xfrm>
+            <a:prstGeom prst="rect">
+              <a:avLst/>
+            </a:prstGeom>
+            <a:grpFill/>
+          </p:spPr>
+          <p:style>
+            <a:lnRef idx="2">
+              <a:schemeClr val="accent1">
+                <a:shade val="50000"/>
+              </a:schemeClr>
+            </a:lnRef>
+            <a:fillRef idx="1">
+              <a:schemeClr val="accent1"/>
+            </a:fillRef>
+            <a:effectRef idx="0">
+              <a:schemeClr val="accent1"/>
+            </a:effectRef>
+            <a:fontRef idx="minor">
+              <a:schemeClr val="lt1"/>
+            </a:fontRef>
+          </p:style>
+          <p:txBody>
+            <a:bodyPr rtlCol="0" anchor="ctr"/>
+            <a:lstStyle/>
+            <a:p>
+              <a:pPr algn="ctr"/>
+              <a:r>
+                <a:rPr lang="zh-CN" altLang="en-US" dirty="0">
+                  <a:solidFill>
+                    <a:schemeClr val="tx1"/>
+                  </a:solidFill>
+                </a:rPr>
+                <a:t>数据</a:t>
+              </a:r>
+            </a:p>
+          </p:txBody>
+        </p:sp>
+        <p:sp>
+          <p:nvSpPr>
+            <p:cNvPr id="5" name="矩形 4">
+              <a:extLst>
+                <a:ext uri="{FF2B5EF4-FFF2-40B4-BE49-F238E27FC236}">
+                  <a16:creationId xmlns:a16="http://schemas.microsoft.com/office/drawing/2014/main" id="{39477E11-CED9-44AC-B81E-78423B1306B1}"/>
+                </a:ext>
+              </a:extLst>
+            </p:cNvPr>
+            <p:cNvSpPr/>
+            <p:nvPr/>
+          </p:nvSpPr>
+          <p:spPr>
+            <a:xfrm>
+              <a:off x="2396971" y="1748900"/>
+              <a:ext cx="1322773" cy="781235"/>
+            </a:xfrm>
+            <a:prstGeom prst="rect">
+              <a:avLst/>
+            </a:prstGeom>
+            <a:grpFill/>
+          </p:spPr>
+          <p:style>
+            <a:lnRef idx="2">
+              <a:schemeClr val="accent1">
+                <a:shade val="50000"/>
+              </a:schemeClr>
+            </a:lnRef>
+            <a:fillRef idx="1">
+              <a:schemeClr val="accent1"/>
+            </a:fillRef>
+            <a:effectRef idx="0">
+              <a:schemeClr val="accent1"/>
+            </a:effectRef>
+            <a:fontRef idx="minor">
+              <a:schemeClr val="lt1"/>
+            </a:fontRef>
+          </p:style>
+          <p:txBody>
+            <a:bodyPr rtlCol="0" anchor="ctr"/>
+            <a:lstStyle/>
+            <a:p>
+              <a:pPr algn="ctr"/>
+              <a:r>
+                <a:rPr lang="zh-CN" altLang="en-US" dirty="0">
+                  <a:solidFill>
+                    <a:schemeClr val="tx1"/>
+                  </a:solidFill>
+                </a:rPr>
+                <a:t>指针</a:t>
+              </a:r>
+            </a:p>
+          </p:txBody>
+        </p:sp>
+      </p:grpSp>
+      <p:grpSp>
+        <p:nvGrpSpPr>
+          <p:cNvPr id="12" name="组合 11">
+            <a:extLst>
+              <a:ext uri="{FF2B5EF4-FFF2-40B4-BE49-F238E27FC236}">
+                <a16:creationId xmlns:a16="http://schemas.microsoft.com/office/drawing/2014/main" id="{956AB3C3-B170-4236-8417-094EAA0ADD13}"/>
+              </a:ext>
+            </a:extLst>
+          </p:cNvPr>
+          <p:cNvGrpSpPr/>
+          <p:nvPr/>
+        </p:nvGrpSpPr>
+        <p:grpSpPr>
+          <a:xfrm>
+            <a:off x="5597372" y="2361461"/>
+            <a:ext cx="1882066" cy="727967"/>
+            <a:chOff x="1074198" y="1748900"/>
+            <a:chExt cx="2645546" cy="781236"/>
+          </a:xfrm>
+          <a:solidFill>
+            <a:schemeClr val="accent3">
+              <a:lumMod val="40000"/>
+              <a:lumOff val="60000"/>
+            </a:schemeClr>
+          </a:solidFill>
+        </p:grpSpPr>
+        <p:sp>
+          <p:nvSpPr>
+            <p:cNvPr id="14" name="矩形 13">
+              <a:extLst>
+                <a:ext uri="{FF2B5EF4-FFF2-40B4-BE49-F238E27FC236}">
+                  <a16:creationId xmlns:a16="http://schemas.microsoft.com/office/drawing/2014/main" id="{52C5FDB6-E57E-4FA8-9ED4-EA4CFF2458F4}"/>
+                </a:ext>
+              </a:extLst>
+            </p:cNvPr>
+            <p:cNvSpPr/>
+            <p:nvPr/>
+          </p:nvSpPr>
+          <p:spPr>
+            <a:xfrm>
+              <a:off x="1074198" y="1748901"/>
+              <a:ext cx="1322773" cy="781235"/>
+            </a:xfrm>
+            <a:prstGeom prst="rect">
+              <a:avLst/>
+            </a:prstGeom>
+            <a:grpFill/>
+          </p:spPr>
+          <p:style>
+            <a:lnRef idx="2">
+              <a:schemeClr val="accent1">
+                <a:shade val="50000"/>
+              </a:schemeClr>
+            </a:lnRef>
+            <a:fillRef idx="1">
+              <a:schemeClr val="accent1"/>
+            </a:fillRef>
+            <a:effectRef idx="0">
+              <a:schemeClr val="accent1"/>
+            </a:effectRef>
+            <a:fontRef idx="minor">
+              <a:schemeClr val="lt1"/>
+            </a:fontRef>
+          </p:style>
+          <p:txBody>
+            <a:bodyPr rtlCol="0" anchor="ctr"/>
+            <a:lstStyle/>
+            <a:p>
+              <a:pPr algn="ctr"/>
+              <a:r>
+                <a:rPr lang="zh-CN" altLang="en-US" dirty="0">
+                  <a:solidFill>
+                    <a:schemeClr val="tx1"/>
+                  </a:solidFill>
+                </a:rPr>
+                <a:t>数据</a:t>
+              </a:r>
+            </a:p>
+          </p:txBody>
+        </p:sp>
+        <p:sp>
+          <p:nvSpPr>
+            <p:cNvPr id="15" name="矩形 14">
+              <a:extLst>
+                <a:ext uri="{FF2B5EF4-FFF2-40B4-BE49-F238E27FC236}">
+                  <a16:creationId xmlns:a16="http://schemas.microsoft.com/office/drawing/2014/main" id="{179F523C-1CB3-46B2-A207-BB7698474B26}"/>
+                </a:ext>
+              </a:extLst>
+            </p:cNvPr>
+            <p:cNvSpPr/>
+            <p:nvPr/>
+          </p:nvSpPr>
+          <p:spPr>
+            <a:xfrm>
+              <a:off x="2396971" y="1748900"/>
+              <a:ext cx="1322773" cy="781235"/>
+            </a:xfrm>
+            <a:prstGeom prst="rect">
+              <a:avLst/>
+            </a:prstGeom>
+            <a:grpFill/>
+          </p:spPr>
+          <p:style>
+            <a:lnRef idx="2">
+              <a:schemeClr val="accent1">
+                <a:shade val="50000"/>
+              </a:schemeClr>
+            </a:lnRef>
+            <a:fillRef idx="1">
+              <a:schemeClr val="accent1"/>
+            </a:fillRef>
+            <a:effectRef idx="0">
+              <a:schemeClr val="accent1"/>
+            </a:effectRef>
+            <a:fontRef idx="minor">
+              <a:schemeClr val="lt1"/>
+            </a:fontRef>
+          </p:style>
+          <p:txBody>
+            <a:bodyPr rtlCol="0" anchor="ctr"/>
+            <a:lstStyle/>
+            <a:p>
+              <a:pPr algn="ctr"/>
+              <a:r>
+                <a:rPr lang="zh-CN" altLang="en-US" dirty="0">
+                  <a:solidFill>
+                    <a:schemeClr val="tx1"/>
+                  </a:solidFill>
+                </a:rPr>
+                <a:t>指针</a:t>
+              </a:r>
+            </a:p>
+          </p:txBody>
+        </p:sp>
+      </p:grpSp>
+      <p:grpSp>
+        <p:nvGrpSpPr>
+          <p:cNvPr id="17" name="组合 16">
+            <a:extLst>
+              <a:ext uri="{FF2B5EF4-FFF2-40B4-BE49-F238E27FC236}">
+                <a16:creationId xmlns:a16="http://schemas.microsoft.com/office/drawing/2014/main" id="{7EDDF244-E1EE-4646-9EA6-F7477AC9B8FC}"/>
+              </a:ext>
+            </a:extLst>
+          </p:cNvPr>
+          <p:cNvGrpSpPr/>
+          <p:nvPr/>
+        </p:nvGrpSpPr>
+        <p:grpSpPr>
+          <a:xfrm>
+            <a:off x="9090735" y="2121763"/>
+            <a:ext cx="1882066" cy="727967"/>
+            <a:chOff x="1074198" y="1748900"/>
+            <a:chExt cx="2645546" cy="781236"/>
+          </a:xfrm>
+          <a:solidFill>
+            <a:schemeClr val="accent3">
+              <a:lumMod val="40000"/>
+              <a:lumOff val="60000"/>
+            </a:schemeClr>
+          </a:solidFill>
+        </p:grpSpPr>
+        <p:sp>
+          <p:nvSpPr>
+            <p:cNvPr id="19" name="矩形 18">
+              <a:extLst>
+                <a:ext uri="{FF2B5EF4-FFF2-40B4-BE49-F238E27FC236}">
+                  <a16:creationId xmlns:a16="http://schemas.microsoft.com/office/drawing/2014/main" id="{55B91B15-08E5-4182-8986-0F5FF6E6E7EF}"/>
+                </a:ext>
+              </a:extLst>
+            </p:cNvPr>
+            <p:cNvSpPr/>
+            <p:nvPr/>
+          </p:nvSpPr>
+          <p:spPr>
+            <a:xfrm>
+              <a:off x="1074198" y="1748901"/>
+              <a:ext cx="1322773" cy="781235"/>
+            </a:xfrm>
+            <a:prstGeom prst="rect">
+              <a:avLst/>
+            </a:prstGeom>
+            <a:grpFill/>
+          </p:spPr>
+          <p:style>
+            <a:lnRef idx="2">
+              <a:schemeClr val="accent1">
+                <a:shade val="50000"/>
+              </a:schemeClr>
+            </a:lnRef>
+            <a:fillRef idx="1">
+              <a:schemeClr val="accent1"/>
+            </a:fillRef>
+            <a:effectRef idx="0">
+              <a:schemeClr val="accent1"/>
+            </a:effectRef>
+            <a:fontRef idx="minor">
+              <a:schemeClr val="lt1"/>
+            </a:fontRef>
+          </p:style>
+          <p:txBody>
+            <a:bodyPr rtlCol="0" anchor="ctr"/>
+            <a:lstStyle/>
+            <a:p>
+              <a:pPr algn="ctr"/>
+              <a:r>
+                <a:rPr lang="zh-CN" altLang="en-US" dirty="0">
+                  <a:solidFill>
+                    <a:schemeClr val="tx1"/>
+                  </a:solidFill>
+                </a:rPr>
+                <a:t>数据</a:t>
+              </a:r>
+            </a:p>
+          </p:txBody>
+        </p:sp>
+        <p:sp>
+          <p:nvSpPr>
+            <p:cNvPr id="20" name="矩形 19">
+              <a:extLst>
+                <a:ext uri="{FF2B5EF4-FFF2-40B4-BE49-F238E27FC236}">
+                  <a16:creationId xmlns:a16="http://schemas.microsoft.com/office/drawing/2014/main" id="{E9A53712-7CEC-4DF8-AE29-DF7D989189BF}"/>
+                </a:ext>
+              </a:extLst>
+            </p:cNvPr>
+            <p:cNvSpPr/>
+            <p:nvPr/>
+          </p:nvSpPr>
+          <p:spPr>
+            <a:xfrm>
+              <a:off x="2396971" y="1748900"/>
+              <a:ext cx="1322773" cy="781235"/>
+            </a:xfrm>
+            <a:prstGeom prst="rect">
+              <a:avLst/>
+            </a:prstGeom>
+            <a:grpFill/>
+          </p:spPr>
+          <p:style>
+            <a:lnRef idx="2">
+              <a:schemeClr val="accent1">
+                <a:shade val="50000"/>
+              </a:schemeClr>
+            </a:lnRef>
+            <a:fillRef idx="1">
+              <a:schemeClr val="accent1"/>
+            </a:fillRef>
+            <a:effectRef idx="0">
+              <a:schemeClr val="accent1"/>
+            </a:effectRef>
+            <a:fontRef idx="minor">
+              <a:schemeClr val="lt1"/>
+            </a:fontRef>
+          </p:style>
+          <p:txBody>
+            <a:bodyPr rtlCol="0" anchor="ctr"/>
+            <a:lstStyle/>
+            <a:p>
+              <a:pPr algn="ctr"/>
+              <a:r>
+                <a:rPr lang="zh-CN" altLang="en-US" dirty="0">
+                  <a:solidFill>
+                    <a:schemeClr val="tx1"/>
+                  </a:solidFill>
+                </a:rPr>
+                <a:t>指针</a:t>
+              </a:r>
+            </a:p>
+          </p:txBody>
+        </p:sp>
+      </p:grpSp>
+      <p:sp>
+        <p:nvSpPr>
+          <p:cNvPr id="26" name="矩形 25">
+            <a:extLst>
+              <a:ext uri="{FF2B5EF4-FFF2-40B4-BE49-F238E27FC236}">
+                <a16:creationId xmlns:a16="http://schemas.microsoft.com/office/drawing/2014/main" id="{5910B3C1-8B6B-4D96-9B53-BD6F86EAB0A5}"/>
+              </a:ext>
+            </a:extLst>
+          </p:cNvPr>
+          <p:cNvSpPr/>
+          <p:nvPr/>
+        </p:nvSpPr>
+        <p:spPr>
+          <a:xfrm>
+            <a:off x="159798" y="1393797"/>
+            <a:ext cx="941033" cy="727966"/>
+          </a:xfrm>
+          <a:prstGeom prst="rect">
+            <a:avLst/>
+          </a:prstGeom>
+          <a:solidFill>
+            <a:schemeClr val="accent3">
+              <a:lumMod val="40000"/>
+              <a:lumOff val="60000"/>
+            </a:schemeClr>
+          </a:solidFill>
+        </p:spPr>
+        <p:style>
+          <a:lnRef idx="2">
+            <a:schemeClr val="accent1">
+              <a:shade val="50000"/>
+            </a:schemeClr>
+          </a:lnRef>
+          <a:fillRef idx="1">
+            <a:schemeClr val="accent1"/>
+          </a:fillRef>
+          <a:effectRef idx="0">
+            <a:schemeClr val="accent1"/>
+          </a:effectRef>
+          <a:fontRef idx="minor">
+            <a:schemeClr val="lt1"/>
+          </a:fontRef>
+        </p:style>
+        <p:txBody>
+          <a:bodyPr rtlCol="0" anchor="ctr"/>
+          <a:lstStyle/>
+          <a:p>
+            <a:pPr algn="ctr"/>
+            <a:r>
+              <a:rPr lang="zh-CN" altLang="en-US" dirty="0">
+                <a:solidFill>
+                  <a:schemeClr val="tx1"/>
+                </a:solidFill>
+              </a:rPr>
+              <a:t>空指针</a:t>
+            </a:r>
+          </a:p>
+        </p:txBody>
+      </p:sp>
+      <p:cxnSp>
+        <p:nvCxnSpPr>
+          <p:cNvPr id="28" name="连接符: 曲线 27">
+            <a:extLst>
+              <a:ext uri="{FF2B5EF4-FFF2-40B4-BE49-F238E27FC236}">
+                <a16:creationId xmlns:a16="http://schemas.microsoft.com/office/drawing/2014/main" id="{CE675E11-BFF7-4067-9440-221A9D0E0A04}"/>
+              </a:ext>
+            </a:extLst>
+          </p:cNvPr>
+          <p:cNvCxnSpPr>
+            <a:cxnSpLocks/>
+            <a:stCxn id="26" idx="3"/>
+            <a:endCxn id="4" idx="0"/>
+          </p:cNvCxnSpPr>
+          <p:nvPr/>
+        </p:nvCxnSpPr>
+        <p:spPr>
+          <a:xfrm>
+            <a:off x="1100831" y="1757780"/>
+            <a:ext cx="1944210" cy="363984"/>
+          </a:xfrm>
+          <a:prstGeom prst="curvedConnector2">
+            <a:avLst/>
+          </a:prstGeom>
+          <a:ln>
+            <a:tailEnd type="triangle"/>
+          </a:ln>
+        </p:spPr>
+        <p:style>
+          <a:lnRef idx="1">
+            <a:schemeClr val="accent1"/>
+          </a:lnRef>
+          <a:fillRef idx="0">
+            <a:schemeClr val="accent1"/>
+          </a:fillRef>
+          <a:effectRef idx="0">
+            <a:schemeClr val="accent1"/>
+          </a:effectRef>
+          <a:fontRef idx="minor">
+            <a:schemeClr val="tx1"/>
+          </a:fontRef>
+        </p:style>
+      </p:cxnSp>
+      <p:cxnSp>
+        <p:nvCxnSpPr>
+          <p:cNvPr id="29" name="连接符: 曲线 28">
+            <a:extLst>
+              <a:ext uri="{FF2B5EF4-FFF2-40B4-BE49-F238E27FC236}">
+                <a16:creationId xmlns:a16="http://schemas.microsoft.com/office/drawing/2014/main" id="{54784CC5-B7BF-4F4C-BCE0-4B6687BFC3AC}"/>
+              </a:ext>
+            </a:extLst>
+          </p:cNvPr>
+          <p:cNvCxnSpPr>
+            <a:cxnSpLocks/>
+            <a:stCxn id="5" idx="0"/>
+            <a:endCxn id="19" idx="0"/>
+          </p:cNvCxnSpPr>
+          <p:nvPr/>
+        </p:nvCxnSpPr>
+        <p:spPr>
+          <a:xfrm rot="16200000" flipH="1">
+            <a:off x="6773662" y="-665826"/>
+            <a:ext cx="1" cy="5575178"/>
+          </a:xfrm>
+          <a:prstGeom prst="curvedConnector3">
+            <a:avLst>
+              <a:gd name="adj1" fmla="val -22860000000"/>
+            </a:avLst>
+          </a:prstGeom>
+          <a:ln>
+            <a:tailEnd type="triangle"/>
+          </a:ln>
+        </p:spPr>
+        <p:style>
+          <a:lnRef idx="1">
+            <a:schemeClr val="accent1"/>
+          </a:lnRef>
+          <a:fillRef idx="0">
+            <a:schemeClr val="accent1"/>
+          </a:fillRef>
+          <a:effectRef idx="0">
+            <a:schemeClr val="accent1"/>
+          </a:effectRef>
+          <a:fontRef idx="minor">
+            <a:schemeClr val="tx1"/>
+          </a:fontRef>
+        </p:style>
+      </p:cxnSp>
+      <p:cxnSp>
+        <p:nvCxnSpPr>
+          <p:cNvPr id="40" name="连接符: 曲线 39">
+            <a:extLst>
+              <a:ext uri="{FF2B5EF4-FFF2-40B4-BE49-F238E27FC236}">
+                <a16:creationId xmlns:a16="http://schemas.microsoft.com/office/drawing/2014/main" id="{5B5DDA09-B615-4160-A20D-785756A27D1E}"/>
+              </a:ext>
+            </a:extLst>
+          </p:cNvPr>
+          <p:cNvCxnSpPr>
+            <a:cxnSpLocks/>
+            <a:stCxn id="15" idx="0"/>
+            <a:endCxn id="19" idx="0"/>
+          </p:cNvCxnSpPr>
+          <p:nvPr/>
+        </p:nvCxnSpPr>
+        <p:spPr>
+          <a:xfrm rot="5400000" flipH="1" flipV="1">
+            <a:off x="8165239" y="965448"/>
+            <a:ext cx="239697" cy="2552330"/>
+          </a:xfrm>
+          <a:prstGeom prst="curvedConnector3">
+            <a:avLst>
+              <a:gd name="adj1" fmla="val 195370"/>
+            </a:avLst>
+          </a:prstGeom>
+          <a:ln>
+            <a:tailEnd type="triangle"/>
+          </a:ln>
+        </p:spPr>
+        <p:style>
+          <a:lnRef idx="1">
+            <a:schemeClr val="accent1"/>
+          </a:lnRef>
+          <a:fillRef idx="0">
+            <a:schemeClr val="accent1"/>
+          </a:fillRef>
+          <a:effectRef idx="0">
+            <a:schemeClr val="accent1"/>
+          </a:effectRef>
+          <a:fontRef idx="minor">
+            <a:schemeClr val="tx1"/>
+          </a:fontRef>
+        </p:style>
+      </p:cxnSp>
+      <p:grpSp>
+        <p:nvGrpSpPr>
+          <p:cNvPr id="52" name="组合 51">
+            <a:extLst>
+              <a:ext uri="{FF2B5EF4-FFF2-40B4-BE49-F238E27FC236}">
+                <a16:creationId xmlns:a16="http://schemas.microsoft.com/office/drawing/2014/main" id="{4CC2A9CD-149E-43EE-86BC-2606CE055FBB}"/>
+              </a:ext>
+            </a:extLst>
+          </p:cNvPr>
+          <p:cNvGrpSpPr/>
+          <p:nvPr/>
+        </p:nvGrpSpPr>
+        <p:grpSpPr>
+          <a:xfrm>
+            <a:off x="9561251" y="5175684"/>
+            <a:ext cx="1882066" cy="727967"/>
+            <a:chOff x="1074198" y="1748900"/>
+            <a:chExt cx="2645546" cy="781236"/>
+          </a:xfrm>
+          <a:solidFill>
+            <a:schemeClr val="accent3">
+              <a:lumMod val="40000"/>
+              <a:lumOff val="60000"/>
+            </a:schemeClr>
+          </a:solidFill>
+        </p:grpSpPr>
+        <p:sp>
+          <p:nvSpPr>
+            <p:cNvPr id="54" name="矩形 53">
+              <a:extLst>
+                <a:ext uri="{FF2B5EF4-FFF2-40B4-BE49-F238E27FC236}">
+                  <a16:creationId xmlns:a16="http://schemas.microsoft.com/office/drawing/2014/main" id="{D6669ED4-DBBB-4EB3-B95D-6CD26E8FE2BD}"/>
+                </a:ext>
+              </a:extLst>
+            </p:cNvPr>
+            <p:cNvSpPr/>
+            <p:nvPr/>
+          </p:nvSpPr>
+          <p:spPr>
+            <a:xfrm>
+              <a:off x="1074198" y="1748901"/>
+              <a:ext cx="1322773" cy="781235"/>
+            </a:xfrm>
+            <a:prstGeom prst="rect">
+              <a:avLst/>
+            </a:prstGeom>
+            <a:grpFill/>
+          </p:spPr>
+          <p:style>
+            <a:lnRef idx="2">
+              <a:schemeClr val="accent1">
+                <a:shade val="50000"/>
+              </a:schemeClr>
+            </a:lnRef>
+            <a:fillRef idx="1">
+              <a:schemeClr val="accent1"/>
+            </a:fillRef>
+            <a:effectRef idx="0">
+              <a:schemeClr val="accent1"/>
+            </a:effectRef>
+            <a:fontRef idx="minor">
+              <a:schemeClr val="lt1"/>
+            </a:fontRef>
+          </p:style>
+          <p:txBody>
+            <a:bodyPr rtlCol="0" anchor="ctr"/>
+            <a:lstStyle/>
+            <a:p>
+              <a:pPr algn="ctr"/>
+              <a:r>
+                <a:rPr lang="zh-CN" altLang="en-US" dirty="0">
+                  <a:solidFill>
+                    <a:schemeClr val="tx1"/>
+                  </a:solidFill>
+                </a:rPr>
+                <a:t>数据</a:t>
+              </a:r>
+            </a:p>
+          </p:txBody>
+        </p:sp>
+        <p:sp>
+          <p:nvSpPr>
+            <p:cNvPr id="55" name="矩形 54">
+              <a:extLst>
+                <a:ext uri="{FF2B5EF4-FFF2-40B4-BE49-F238E27FC236}">
+                  <a16:creationId xmlns:a16="http://schemas.microsoft.com/office/drawing/2014/main" id="{F3DF2C09-AAA3-4F02-AF52-82F024FFEFD3}"/>
+                </a:ext>
+              </a:extLst>
+            </p:cNvPr>
+            <p:cNvSpPr/>
+            <p:nvPr/>
+          </p:nvSpPr>
+          <p:spPr>
+            <a:xfrm>
+              <a:off x="2396971" y="1748900"/>
+              <a:ext cx="1322773" cy="781235"/>
+            </a:xfrm>
+            <a:prstGeom prst="rect">
+              <a:avLst/>
+            </a:prstGeom>
+            <a:grpFill/>
+          </p:spPr>
+          <p:style>
+            <a:lnRef idx="2">
+              <a:schemeClr val="accent1">
+                <a:shade val="50000"/>
+              </a:schemeClr>
+            </a:lnRef>
+            <a:fillRef idx="1">
+              <a:schemeClr val="accent1"/>
+            </a:fillRef>
+            <a:effectRef idx="0">
+              <a:schemeClr val="accent1"/>
+            </a:effectRef>
+            <a:fontRef idx="minor">
+              <a:schemeClr val="lt1"/>
+            </a:fontRef>
+          </p:style>
+          <p:txBody>
+            <a:bodyPr rtlCol="0" anchor="ctr"/>
+            <a:lstStyle/>
+            <a:p>
+              <a:pPr algn="ctr"/>
+              <a:r>
+                <a:rPr lang="zh-CN" altLang="en-US" dirty="0">
+                  <a:solidFill>
+                    <a:schemeClr val="tx1"/>
+                  </a:solidFill>
+                </a:rPr>
+                <a:t>指针</a:t>
+              </a:r>
+            </a:p>
+          </p:txBody>
+        </p:sp>
+      </p:grpSp>
+      <p:cxnSp>
+        <p:nvCxnSpPr>
+          <p:cNvPr id="56" name="连接符: 曲线 55">
+            <a:extLst>
+              <a:ext uri="{FF2B5EF4-FFF2-40B4-BE49-F238E27FC236}">
+                <a16:creationId xmlns:a16="http://schemas.microsoft.com/office/drawing/2014/main" id="{B980FAE5-FA7B-4509-95D4-11DC5F1EA623}"/>
+              </a:ext>
+            </a:extLst>
+          </p:cNvPr>
+          <p:cNvCxnSpPr>
+            <a:cxnSpLocks/>
+            <a:stCxn id="20" idx="3"/>
+            <a:endCxn id="4" idx="2"/>
+          </p:cNvCxnSpPr>
+          <p:nvPr/>
+        </p:nvCxnSpPr>
+        <p:spPr>
+          <a:xfrm flipH="1">
+            <a:off x="3045041" y="2485746"/>
+            <a:ext cx="7927760" cy="363984"/>
+          </a:xfrm>
+          <a:prstGeom prst="curvedConnector4">
+            <a:avLst>
+              <a:gd name="adj1" fmla="val -2437"/>
+              <a:gd name="adj2" fmla="val 548171"/>
+            </a:avLst>
+          </a:prstGeom>
+          <a:ln>
+            <a:tailEnd type="triangle"/>
+          </a:ln>
+        </p:spPr>
+        <p:style>
+          <a:lnRef idx="1">
+            <a:schemeClr val="accent1"/>
+          </a:lnRef>
+          <a:fillRef idx="0">
+            <a:schemeClr val="accent1"/>
+          </a:fillRef>
+          <a:effectRef idx="0">
+            <a:schemeClr val="accent1"/>
+          </a:effectRef>
+          <a:fontRef idx="minor">
+            <a:schemeClr val="tx1"/>
+          </a:fontRef>
+        </p:style>
+      </p:cxnSp>
+      <p:cxnSp>
+        <p:nvCxnSpPr>
+          <p:cNvPr id="59" name="连接符: 曲线 58">
+            <a:extLst>
+              <a:ext uri="{FF2B5EF4-FFF2-40B4-BE49-F238E27FC236}">
+                <a16:creationId xmlns:a16="http://schemas.microsoft.com/office/drawing/2014/main" id="{33E8596A-F484-4A98-9AB4-96E944B32055}"/>
+              </a:ext>
+            </a:extLst>
+          </p:cNvPr>
+          <p:cNvCxnSpPr>
+            <a:cxnSpLocks/>
+            <a:stCxn id="55" idx="2"/>
+            <a:endCxn id="14" idx="2"/>
+          </p:cNvCxnSpPr>
+          <p:nvPr/>
+        </p:nvCxnSpPr>
+        <p:spPr>
+          <a:xfrm rot="5400000" flipH="1">
+            <a:off x="7113234" y="2044083"/>
+            <a:ext cx="2814222" cy="4904912"/>
+          </a:xfrm>
+          <a:prstGeom prst="curvedConnector3">
+            <a:avLst>
+              <a:gd name="adj1" fmla="val -8123"/>
+            </a:avLst>
+          </a:prstGeom>
+          <a:ln>
+            <a:tailEnd type="triangle"/>
+          </a:ln>
+        </p:spPr>
+        <p:style>
+          <a:lnRef idx="1">
+            <a:schemeClr val="accent2"/>
+          </a:lnRef>
+          <a:fillRef idx="0">
+            <a:schemeClr val="accent2"/>
+          </a:fillRef>
+          <a:effectRef idx="0">
+            <a:schemeClr val="accent2"/>
+          </a:effectRef>
+          <a:fontRef idx="minor">
+            <a:schemeClr val="tx1"/>
+          </a:fontRef>
+        </p:style>
+      </p:cxnSp>
+      <p:sp>
+        <p:nvSpPr>
+          <p:cNvPr id="62" name="文本框 61">
+            <a:extLst>
+              <a:ext uri="{FF2B5EF4-FFF2-40B4-BE49-F238E27FC236}">
+                <a16:creationId xmlns:a16="http://schemas.microsoft.com/office/drawing/2014/main" id="{AE5E33EF-B88C-48BB-84C2-AB29369F8548}"/>
+              </a:ext>
+            </a:extLst>
+          </p:cNvPr>
+          <p:cNvSpPr txBox="1"/>
+          <p:nvPr/>
+        </p:nvSpPr>
+        <p:spPr>
+          <a:xfrm>
+            <a:off x="159798" y="3907940"/>
+            <a:ext cx="2854163" cy="369332"/>
+          </a:xfrm>
+          <a:prstGeom prst="rect">
+            <a:avLst/>
+          </a:prstGeom>
+          <a:noFill/>
+        </p:spPr>
+        <p:txBody>
+          <a:bodyPr wrap="square" rtlCol="0">
+            <a:spAutoFit/>
+          </a:bodyPr>
+          <a:lstStyle/>
+          <a:p>
+            <a:r>
+              <a:rPr lang="zh-CN" altLang="en-US" dirty="0"/>
+              <a:t>在双向链表尾部添加节点</a:t>
+            </a:r>
+            <a:endParaRPr lang="en-US" altLang="zh-CN" dirty="0"/>
+          </a:p>
+        </p:txBody>
+      </p:sp>
+      <p:sp>
+        <p:nvSpPr>
+          <p:cNvPr id="108" name="箭头: 虚尾 107">
+            <a:extLst>
+              <a:ext uri="{FF2B5EF4-FFF2-40B4-BE49-F238E27FC236}">
+                <a16:creationId xmlns:a16="http://schemas.microsoft.com/office/drawing/2014/main" id="{F15697AE-D815-4CC0-BCF4-740188627052}"/>
+              </a:ext>
+            </a:extLst>
+          </p:cNvPr>
+          <p:cNvSpPr/>
+          <p:nvPr/>
+        </p:nvSpPr>
+        <p:spPr>
+          <a:xfrm rot="16200000">
+            <a:off x="9303059" y="3755059"/>
+            <a:ext cx="1297619" cy="675094"/>
+          </a:xfrm>
+          <a:prstGeom prst="stripedRightArrow">
+            <a:avLst/>
+          </a:prstGeom>
+        </p:spPr>
+        <p:style>
+          <a:lnRef idx="2">
+            <a:schemeClr val="accent1">
+              <a:shade val="50000"/>
+            </a:schemeClr>
+          </a:lnRef>
+          <a:fillRef idx="1">
+            <a:schemeClr val="accent1"/>
+          </a:fillRef>
+          <a:effectRef idx="0">
+            <a:schemeClr val="accent1"/>
+          </a:effectRef>
+          <a:fontRef idx="minor">
+            <a:schemeClr val="lt1"/>
+          </a:fontRef>
+        </p:style>
+        <p:txBody>
+          <a:bodyPr rtlCol="0" anchor="ctr"/>
+          <a:lstStyle/>
+          <a:p>
+            <a:pPr algn="ctr"/>
+            <a:endParaRPr lang="zh-CN" altLang="en-US"/>
+          </a:p>
+        </p:txBody>
+      </p:sp>
+    </p:spTree>
+    <p:extLst>
+      <p:ext uri="{BB962C8B-B14F-4D97-AF65-F5344CB8AC3E}">
+        <p14:creationId xmlns:p14="http://schemas.microsoft.com/office/powerpoint/2010/main" val="3822659360"/>
       </p:ext>
     </p:extLst>
   </p:cSld>

--- a/线性表/数据结构可视化辅助理解，便于代码开发.pptx
+++ b/线性表/数据结构可视化辅助理解，便于代码开发.pptx
@@ -271,7 +271,7 @@
           <a:p>
             <a:fld id="{00F45E2C-A052-4CA8-89FD-DA47DCEA70CB}" type="datetimeFigureOut">
               <a:rPr lang="zh-CN" altLang="en-US" smtClean="0"/>
-              <a:t>2019/5/31</a:t>
+              <a:t>2019/6/2</a:t>
             </a:fld>
             <a:endParaRPr lang="zh-CN" altLang="en-US"/>
           </a:p>
@@ -469,7 +469,7 @@
           <a:p>
             <a:fld id="{00F45E2C-A052-4CA8-89FD-DA47DCEA70CB}" type="datetimeFigureOut">
               <a:rPr lang="zh-CN" altLang="en-US" smtClean="0"/>
-              <a:t>2019/5/31</a:t>
+              <a:t>2019/6/2</a:t>
             </a:fld>
             <a:endParaRPr lang="zh-CN" altLang="en-US"/>
           </a:p>
@@ -677,7 +677,7 @@
           <a:p>
             <a:fld id="{00F45E2C-A052-4CA8-89FD-DA47DCEA70CB}" type="datetimeFigureOut">
               <a:rPr lang="zh-CN" altLang="en-US" smtClean="0"/>
-              <a:t>2019/5/31</a:t>
+              <a:t>2019/6/2</a:t>
             </a:fld>
             <a:endParaRPr lang="zh-CN" altLang="en-US"/>
           </a:p>
@@ -847,7 +847,7 @@
             <a:fld id="{00F45E2C-A052-4CA8-89FD-DA47DCEA70CB}" type="datetimeFigureOut">
               <a:rPr lang="zh-CN" altLang="en-US" smtClean="0"/>
               <a:pPr/>
-              <a:t>2019/5/31</a:t>
+              <a:t>2019/6/2</a:t>
             </a:fld>
             <a:endParaRPr lang="zh-CN" altLang="en-US"/>
           </a:p>
@@ -1275,7 +1275,7 @@
           <a:p>
             <a:fld id="{00F45E2C-A052-4CA8-89FD-DA47DCEA70CB}" type="datetimeFigureOut">
               <a:rPr lang="zh-CN" altLang="en-US" smtClean="0"/>
-              <a:t>2019/5/31</a:t>
+              <a:t>2019/6/2</a:t>
             </a:fld>
             <a:endParaRPr lang="zh-CN" altLang="en-US"/>
           </a:p>
@@ -1540,7 +1540,7 @@
           <a:p>
             <a:fld id="{00F45E2C-A052-4CA8-89FD-DA47DCEA70CB}" type="datetimeFigureOut">
               <a:rPr lang="zh-CN" altLang="en-US" smtClean="0"/>
-              <a:t>2019/5/31</a:t>
+              <a:t>2019/6/2</a:t>
             </a:fld>
             <a:endParaRPr lang="zh-CN" altLang="en-US"/>
           </a:p>
@@ -1952,7 +1952,7 @@
           <a:p>
             <a:fld id="{00F45E2C-A052-4CA8-89FD-DA47DCEA70CB}" type="datetimeFigureOut">
               <a:rPr lang="zh-CN" altLang="en-US" smtClean="0"/>
-              <a:t>2019/5/31</a:t>
+              <a:t>2019/6/2</a:t>
             </a:fld>
             <a:endParaRPr lang="zh-CN" altLang="en-US"/>
           </a:p>
@@ -2093,7 +2093,7 @@
           <a:p>
             <a:fld id="{00F45E2C-A052-4CA8-89FD-DA47DCEA70CB}" type="datetimeFigureOut">
               <a:rPr lang="zh-CN" altLang="en-US" smtClean="0"/>
-              <a:t>2019/5/31</a:t>
+              <a:t>2019/6/2</a:t>
             </a:fld>
             <a:endParaRPr lang="zh-CN" altLang="en-US"/>
           </a:p>
@@ -2206,7 +2206,7 @@
           <a:p>
             <a:fld id="{00F45E2C-A052-4CA8-89FD-DA47DCEA70CB}" type="datetimeFigureOut">
               <a:rPr lang="zh-CN" altLang="en-US" smtClean="0"/>
-              <a:t>2019/5/31</a:t>
+              <a:t>2019/6/2</a:t>
             </a:fld>
             <a:endParaRPr lang="zh-CN" altLang="en-US"/>
           </a:p>
@@ -2517,7 +2517,7 @@
           <a:p>
             <a:fld id="{00F45E2C-A052-4CA8-89FD-DA47DCEA70CB}" type="datetimeFigureOut">
               <a:rPr lang="zh-CN" altLang="en-US" smtClean="0"/>
-              <a:t>2019/5/31</a:t>
+              <a:t>2019/6/2</a:t>
             </a:fld>
             <a:endParaRPr lang="zh-CN" altLang="en-US"/>
           </a:p>
@@ -2805,7 +2805,7 @@
           <a:p>
             <a:fld id="{00F45E2C-A052-4CA8-89FD-DA47DCEA70CB}" type="datetimeFigureOut">
               <a:rPr lang="zh-CN" altLang="en-US" smtClean="0"/>
-              <a:t>2019/5/31</a:t>
+              <a:t>2019/6/2</a:t>
             </a:fld>
             <a:endParaRPr lang="zh-CN" altLang="en-US"/>
           </a:p>
@@ -3046,7 +3046,7 @@
           <a:p>
             <a:fld id="{00F45E2C-A052-4CA8-89FD-DA47DCEA70CB}" type="datetimeFigureOut">
               <a:rPr lang="zh-CN" altLang="en-US" smtClean="0"/>
-              <a:t>2019/5/31</a:t>
+              <a:t>2019/6/2</a:t>
             </a:fld>
             <a:endParaRPr lang="zh-CN" altLang="en-US"/>
           </a:p>
@@ -4276,7 +4276,7 @@
         </p:nvSpPr>
         <p:spPr>
           <a:xfrm rot="16200000">
-            <a:off x="5726839" y="2629858"/>
+            <a:off x="2886180" y="2474359"/>
             <a:ext cx="1297619" cy="675094"/>
           </a:xfrm>
           <a:prstGeom prst="stripedRightArrow">
@@ -11540,7 +11540,7 @@
         </p:nvGrpSpPr>
         <p:grpSpPr>
           <a:xfrm>
-            <a:off x="5274817" y="2117319"/>
+            <a:off x="7804951" y="2117319"/>
             <a:ext cx="2823099" cy="727967"/>
             <a:chOff x="2521259" y="1704513"/>
             <a:chExt cx="2823099" cy="727967"/>
@@ -12075,8 +12075,8 @@
         </p:nvCxnSpPr>
         <p:spPr>
           <a:xfrm rot="16200000" flipH="1">
-            <a:off x="5567779" y="998732"/>
-            <a:ext cx="1" cy="2237174"/>
+            <a:off x="6832846" y="-266335"/>
+            <a:ext cx="1" cy="4767308"/>
           </a:xfrm>
           <a:prstGeom prst="curvedConnector3">
             <a:avLst>
@@ -12120,8 +12120,8 @@
         </p:nvCxnSpPr>
         <p:spPr>
           <a:xfrm rot="5400000">
-            <a:off x="4626747" y="1726698"/>
-            <a:ext cx="1" cy="2237174"/>
+            <a:off x="5891814" y="461631"/>
+            <a:ext cx="1" cy="4767308"/>
           </a:xfrm>
           <a:prstGeom prst="curvedConnector3">
             <a:avLst>
@@ -12165,7 +12165,7 @@
         </p:nvCxnSpPr>
         <p:spPr>
           <a:xfrm rot="16200000" flipH="1">
-            <a:off x="7352928" y="2391790"/>
+            <a:off x="9883062" y="2391790"/>
             <a:ext cx="1846561" cy="1297618"/>
           </a:xfrm>
           <a:prstGeom prst="curvedConnector3">
@@ -12203,14 +12203,13 @@
           </p:cNvPr>
           <p:cNvCxnSpPr>
             <a:cxnSpLocks/>
-            <a:stCxn id="16" idx="2"/>
             <a:endCxn id="28" idx="2"/>
           </p:cNvCxnSpPr>
           <p:nvPr/>
         </p:nvCxnSpPr>
         <p:spPr>
           <a:xfrm rot="5400000">
-            <a:off x="8080898" y="3689405"/>
+            <a:off x="10611032" y="3689405"/>
             <a:ext cx="1846561" cy="158320"/>
           </a:xfrm>
           <a:prstGeom prst="curvedConnector5">
@@ -12253,7 +12252,7 @@
         </p:nvGrpSpPr>
         <p:grpSpPr>
           <a:xfrm>
-            <a:off x="7513468" y="3963879"/>
+            <a:off x="10043602" y="3963879"/>
             <a:ext cx="2823099" cy="727967"/>
             <a:chOff x="2521259" y="1704513"/>
             <a:chExt cx="2823099" cy="727967"/>
@@ -12472,7 +12471,7 @@
         </p:nvCxnSpPr>
         <p:spPr>
           <a:xfrm rot="5400000" flipH="1">
-            <a:off x="6411896" y="3119757"/>
+            <a:off x="8942030" y="3119757"/>
             <a:ext cx="1846559" cy="1297618"/>
           </a:xfrm>
           <a:prstGeom prst="curvedConnector3">
@@ -12515,7 +12514,7 @@
         </p:nvCxnSpPr>
         <p:spPr>
           <a:xfrm rot="16200000" flipH="1">
-            <a:off x="7352929" y="2391791"/>
+            <a:off x="9883063" y="2391791"/>
             <a:ext cx="1846561" cy="1297618"/>
           </a:xfrm>
           <a:prstGeom prst="curvedConnector3">
@@ -12559,7 +12558,7 @@
         </p:nvCxnSpPr>
         <p:spPr>
           <a:xfrm rot="5400000" flipH="1" flipV="1">
-            <a:off x="9372601" y="3312107"/>
+            <a:off x="11902735" y="3312107"/>
             <a:ext cx="1145223" cy="158322"/>
           </a:xfrm>
           <a:prstGeom prst="curvedConnector3">
@@ -12600,7 +12599,7 @@
         </p:nvSpPr>
         <p:spPr>
           <a:xfrm rot="16200000">
-            <a:off x="2859350" y="3538689"/>
+            <a:off x="3196188" y="3172850"/>
             <a:ext cx="1297619" cy="675094"/>
           </a:xfrm>
           <a:prstGeom prst="stripedRightArrow">
@@ -12759,7 +12758,7 @@
         </p:nvSpPr>
         <p:spPr>
           <a:xfrm>
-            <a:off x="446843" y="4012715"/>
+            <a:off x="642294" y="3974541"/>
             <a:ext cx="2817179" cy="369332"/>
           </a:xfrm>
           <a:prstGeom prst="rect">

--- a/线性表/数据结构可视化辅助理解，便于代码开发.pptx
+++ b/线性表/数据结构可视化辅助理解，便于代码开发.pptx
@@ -17,7 +17,8 @@
     <p:sldId id="265" r:id="rId11"/>
     <p:sldId id="266" r:id="rId12"/>
     <p:sldId id="268" r:id="rId13"/>
-    <p:sldId id="269" r:id="rId14"/>
+    <p:sldId id="270" r:id="rId14"/>
+    <p:sldId id="269" r:id="rId15"/>
   </p:sldIdLst>
   <p:sldSz cx="12192000" cy="6858000"/>
   <p:notesSz cx="6858000" cy="9144000"/>
@@ -271,7 +272,7 @@
           <a:p>
             <a:fld id="{00F45E2C-A052-4CA8-89FD-DA47DCEA70CB}" type="datetimeFigureOut">
               <a:rPr lang="zh-CN" altLang="en-US" smtClean="0"/>
-              <a:t>2019/6/2</a:t>
+              <a:t>2019/6/3</a:t>
             </a:fld>
             <a:endParaRPr lang="zh-CN" altLang="en-US"/>
           </a:p>
@@ -469,7 +470,7 @@
           <a:p>
             <a:fld id="{00F45E2C-A052-4CA8-89FD-DA47DCEA70CB}" type="datetimeFigureOut">
               <a:rPr lang="zh-CN" altLang="en-US" smtClean="0"/>
-              <a:t>2019/6/2</a:t>
+              <a:t>2019/6/3</a:t>
             </a:fld>
             <a:endParaRPr lang="zh-CN" altLang="en-US"/>
           </a:p>
@@ -677,7 +678,7 @@
           <a:p>
             <a:fld id="{00F45E2C-A052-4CA8-89FD-DA47DCEA70CB}" type="datetimeFigureOut">
               <a:rPr lang="zh-CN" altLang="en-US" smtClean="0"/>
-              <a:t>2019/6/2</a:t>
+              <a:t>2019/6/3</a:t>
             </a:fld>
             <a:endParaRPr lang="zh-CN" altLang="en-US"/>
           </a:p>
@@ -847,7 +848,7 @@
             <a:fld id="{00F45E2C-A052-4CA8-89FD-DA47DCEA70CB}" type="datetimeFigureOut">
               <a:rPr lang="zh-CN" altLang="en-US" smtClean="0"/>
               <a:pPr/>
-              <a:t>2019/6/2</a:t>
+              <a:t>2019/6/3</a:t>
             </a:fld>
             <a:endParaRPr lang="zh-CN" altLang="en-US"/>
           </a:p>
@@ -1275,7 +1276,7 @@
           <a:p>
             <a:fld id="{00F45E2C-A052-4CA8-89FD-DA47DCEA70CB}" type="datetimeFigureOut">
               <a:rPr lang="zh-CN" altLang="en-US" smtClean="0"/>
-              <a:t>2019/6/2</a:t>
+              <a:t>2019/6/3</a:t>
             </a:fld>
             <a:endParaRPr lang="zh-CN" altLang="en-US"/>
           </a:p>
@@ -1540,7 +1541,7 @@
           <a:p>
             <a:fld id="{00F45E2C-A052-4CA8-89FD-DA47DCEA70CB}" type="datetimeFigureOut">
               <a:rPr lang="zh-CN" altLang="en-US" smtClean="0"/>
-              <a:t>2019/6/2</a:t>
+              <a:t>2019/6/3</a:t>
             </a:fld>
             <a:endParaRPr lang="zh-CN" altLang="en-US"/>
           </a:p>
@@ -1952,7 +1953,7 @@
           <a:p>
             <a:fld id="{00F45E2C-A052-4CA8-89FD-DA47DCEA70CB}" type="datetimeFigureOut">
               <a:rPr lang="zh-CN" altLang="en-US" smtClean="0"/>
-              <a:t>2019/6/2</a:t>
+              <a:t>2019/6/3</a:t>
             </a:fld>
             <a:endParaRPr lang="zh-CN" altLang="en-US"/>
           </a:p>
@@ -2093,7 +2094,7 @@
           <a:p>
             <a:fld id="{00F45E2C-A052-4CA8-89FD-DA47DCEA70CB}" type="datetimeFigureOut">
               <a:rPr lang="zh-CN" altLang="en-US" smtClean="0"/>
-              <a:t>2019/6/2</a:t>
+              <a:t>2019/6/3</a:t>
             </a:fld>
             <a:endParaRPr lang="zh-CN" altLang="en-US"/>
           </a:p>
@@ -2206,7 +2207,7 @@
           <a:p>
             <a:fld id="{00F45E2C-A052-4CA8-89FD-DA47DCEA70CB}" type="datetimeFigureOut">
               <a:rPr lang="zh-CN" altLang="en-US" smtClean="0"/>
-              <a:t>2019/6/2</a:t>
+              <a:t>2019/6/3</a:t>
             </a:fld>
             <a:endParaRPr lang="zh-CN" altLang="en-US"/>
           </a:p>
@@ -2517,7 +2518,7 @@
           <a:p>
             <a:fld id="{00F45E2C-A052-4CA8-89FD-DA47DCEA70CB}" type="datetimeFigureOut">
               <a:rPr lang="zh-CN" altLang="en-US" smtClean="0"/>
-              <a:t>2019/6/2</a:t>
+              <a:t>2019/6/3</a:t>
             </a:fld>
             <a:endParaRPr lang="zh-CN" altLang="en-US"/>
           </a:p>
@@ -2805,7 +2806,7 @@
           <a:p>
             <a:fld id="{00F45E2C-A052-4CA8-89FD-DA47DCEA70CB}" type="datetimeFigureOut">
               <a:rPr lang="zh-CN" altLang="en-US" smtClean="0"/>
-              <a:t>2019/6/2</a:t>
+              <a:t>2019/6/3</a:t>
             </a:fld>
             <a:endParaRPr lang="zh-CN" altLang="en-US"/>
           </a:p>
@@ -3046,7 +3047,7 @@
           <a:p>
             <a:fld id="{00F45E2C-A052-4CA8-89FD-DA47DCEA70CB}" type="datetimeFigureOut">
               <a:rPr lang="zh-CN" altLang="en-US" smtClean="0"/>
-              <a:t>2019/6/2</a:t>
+              <a:t>2019/6/3</a:t>
             </a:fld>
             <a:endParaRPr lang="zh-CN" altLang="en-US"/>
           </a:p>
@@ -10376,6 +10377,946 @@
           <a:chExt cx="0" cy="0"/>
         </a:xfrm>
       </p:grpSpPr>
+      <p:sp>
+        <p:nvSpPr>
+          <p:cNvPr id="2" name="标题 1">
+            <a:extLst>
+              <a:ext uri="{FF2B5EF4-FFF2-40B4-BE49-F238E27FC236}">
+                <a16:creationId xmlns:a16="http://schemas.microsoft.com/office/drawing/2014/main" id="{E81F6451-B986-4134-B043-26A2549520A7}"/>
+              </a:ext>
+            </a:extLst>
+          </p:cNvPr>
+          <p:cNvSpPr>
+            <a:spLocks noGrp="1"/>
+          </p:cNvSpPr>
+          <p:nvPr>
+            <p:ph type="title"/>
+          </p:nvPr>
+        </p:nvSpPr>
+        <p:spPr>
+          <a:xfrm>
+            <a:off x="99645" y="48603"/>
+            <a:ext cx="12092355" cy="629035"/>
+          </a:xfrm>
+        </p:spPr>
+        <p:txBody>
+          <a:bodyPr>
+            <a:normAutofit/>
+          </a:bodyPr>
+          <a:lstStyle/>
+          <a:p>
+            <a:r>
+              <a:rPr lang="zh-CN" altLang="en-US"/>
+              <a:t>汉诺塔游戏</a:t>
+            </a:r>
+          </a:p>
+        </p:txBody>
+      </p:sp>
+      <p:sp>
+        <p:nvSpPr>
+          <p:cNvPr id="3" name="矩形: 圆角 2">
+            <a:extLst>
+              <a:ext uri="{FF2B5EF4-FFF2-40B4-BE49-F238E27FC236}">
+                <a16:creationId xmlns:a16="http://schemas.microsoft.com/office/drawing/2014/main" id="{85DC8E4A-4409-4A5E-A3D8-9141BCA3D82D}"/>
+              </a:ext>
+            </a:extLst>
+          </p:cNvPr>
+          <p:cNvSpPr/>
+          <p:nvPr/>
+        </p:nvSpPr>
+        <p:spPr>
+          <a:xfrm>
+            <a:off x="1660983" y="1766676"/>
+            <a:ext cx="150921" cy="3338004"/>
+          </a:xfrm>
+          <a:prstGeom prst="roundRect">
+            <a:avLst/>
+          </a:prstGeom>
+        </p:spPr>
+        <p:style>
+          <a:lnRef idx="2">
+            <a:schemeClr val="accent1">
+              <a:shade val="50000"/>
+            </a:schemeClr>
+          </a:lnRef>
+          <a:fillRef idx="1">
+            <a:schemeClr val="accent1"/>
+          </a:fillRef>
+          <a:effectRef idx="0">
+            <a:schemeClr val="accent1"/>
+          </a:effectRef>
+          <a:fontRef idx="minor">
+            <a:schemeClr val="lt1"/>
+          </a:fontRef>
+        </p:style>
+        <p:txBody>
+          <a:bodyPr rtlCol="0" anchor="ctr"/>
+          <a:lstStyle/>
+          <a:p>
+            <a:pPr algn="ctr"/>
+            <a:endParaRPr lang="zh-CN" altLang="en-US"/>
+          </a:p>
+        </p:txBody>
+      </p:sp>
+      <p:sp>
+        <p:nvSpPr>
+          <p:cNvPr id="32" name="矩形: 圆角 31">
+            <a:extLst>
+              <a:ext uri="{FF2B5EF4-FFF2-40B4-BE49-F238E27FC236}">
+                <a16:creationId xmlns:a16="http://schemas.microsoft.com/office/drawing/2014/main" id="{B94E4969-B449-4E1B-80AC-7C38BFA95A89}"/>
+              </a:ext>
+            </a:extLst>
+          </p:cNvPr>
+          <p:cNvSpPr/>
+          <p:nvPr/>
+        </p:nvSpPr>
+        <p:spPr>
+          <a:xfrm>
+            <a:off x="3401003" y="1766675"/>
+            <a:ext cx="150921" cy="3338004"/>
+          </a:xfrm>
+          <a:prstGeom prst="roundRect">
+            <a:avLst/>
+          </a:prstGeom>
+        </p:spPr>
+        <p:style>
+          <a:lnRef idx="2">
+            <a:schemeClr val="accent1">
+              <a:shade val="50000"/>
+            </a:schemeClr>
+          </a:lnRef>
+          <a:fillRef idx="1">
+            <a:schemeClr val="accent1"/>
+          </a:fillRef>
+          <a:effectRef idx="0">
+            <a:schemeClr val="accent1"/>
+          </a:effectRef>
+          <a:fontRef idx="minor">
+            <a:schemeClr val="lt1"/>
+          </a:fontRef>
+        </p:style>
+        <p:txBody>
+          <a:bodyPr rtlCol="0" anchor="ctr"/>
+          <a:lstStyle/>
+          <a:p>
+            <a:pPr algn="ctr"/>
+            <a:endParaRPr lang="zh-CN" altLang="en-US"/>
+          </a:p>
+        </p:txBody>
+      </p:sp>
+      <p:sp>
+        <p:nvSpPr>
+          <p:cNvPr id="33" name="矩形: 圆角 32">
+            <a:extLst>
+              <a:ext uri="{FF2B5EF4-FFF2-40B4-BE49-F238E27FC236}">
+                <a16:creationId xmlns:a16="http://schemas.microsoft.com/office/drawing/2014/main" id="{8AA4CD65-945A-4B0B-ABBD-B680660B4286}"/>
+              </a:ext>
+            </a:extLst>
+          </p:cNvPr>
+          <p:cNvSpPr/>
+          <p:nvPr/>
+        </p:nvSpPr>
+        <p:spPr>
+          <a:xfrm>
+            <a:off x="5181165" y="1890962"/>
+            <a:ext cx="150921" cy="3338004"/>
+          </a:xfrm>
+          <a:prstGeom prst="roundRect">
+            <a:avLst/>
+          </a:prstGeom>
+        </p:spPr>
+        <p:style>
+          <a:lnRef idx="2">
+            <a:schemeClr val="accent1">
+              <a:shade val="50000"/>
+            </a:schemeClr>
+          </a:lnRef>
+          <a:fillRef idx="1">
+            <a:schemeClr val="accent1"/>
+          </a:fillRef>
+          <a:effectRef idx="0">
+            <a:schemeClr val="accent1"/>
+          </a:effectRef>
+          <a:fontRef idx="minor">
+            <a:schemeClr val="lt1"/>
+          </a:fontRef>
+        </p:style>
+        <p:txBody>
+          <a:bodyPr rtlCol="0" anchor="ctr"/>
+          <a:lstStyle/>
+          <a:p>
+            <a:pPr algn="ctr"/>
+            <a:endParaRPr lang="zh-CN" altLang="en-US"/>
+          </a:p>
+        </p:txBody>
+      </p:sp>
+      <p:sp>
+        <p:nvSpPr>
+          <p:cNvPr id="4" name="矩形: 圆角 3">
+            <a:extLst>
+              <a:ext uri="{FF2B5EF4-FFF2-40B4-BE49-F238E27FC236}">
+                <a16:creationId xmlns:a16="http://schemas.microsoft.com/office/drawing/2014/main" id="{EF3217D6-289B-43E1-B9AC-509E5111DBBA}"/>
+              </a:ext>
+            </a:extLst>
+          </p:cNvPr>
+          <p:cNvSpPr/>
+          <p:nvPr/>
+        </p:nvSpPr>
+        <p:spPr>
+          <a:xfrm>
+            <a:off x="1312897" y="3855794"/>
+            <a:ext cx="696171" cy="426585"/>
+          </a:xfrm>
+          <a:prstGeom prst="roundRect">
+            <a:avLst/>
+          </a:prstGeom>
+        </p:spPr>
+        <p:style>
+          <a:lnRef idx="2">
+            <a:schemeClr val="accent6">
+              <a:shade val="50000"/>
+            </a:schemeClr>
+          </a:lnRef>
+          <a:fillRef idx="1">
+            <a:schemeClr val="accent6"/>
+          </a:fillRef>
+          <a:effectRef idx="0">
+            <a:schemeClr val="accent6"/>
+          </a:effectRef>
+          <a:fontRef idx="minor">
+            <a:schemeClr val="lt1"/>
+          </a:fontRef>
+        </p:style>
+        <p:txBody>
+          <a:bodyPr rtlCol="0" anchor="ctr"/>
+          <a:lstStyle/>
+          <a:p>
+            <a:pPr algn="ctr"/>
+            <a:r>
+              <a:rPr lang="en-US" altLang="zh-CN">
+                <a:solidFill>
+                  <a:schemeClr val="tx1"/>
+                </a:solidFill>
+              </a:rPr>
+              <a:t>1</a:t>
+            </a:r>
+            <a:endParaRPr lang="zh-CN" altLang="en-US">
+              <a:solidFill>
+                <a:schemeClr val="tx1"/>
+              </a:solidFill>
+            </a:endParaRPr>
+          </a:p>
+        </p:txBody>
+      </p:sp>
+      <p:sp>
+        <p:nvSpPr>
+          <p:cNvPr id="35" name="矩形: 圆角 34">
+            <a:extLst>
+              <a:ext uri="{FF2B5EF4-FFF2-40B4-BE49-F238E27FC236}">
+                <a16:creationId xmlns:a16="http://schemas.microsoft.com/office/drawing/2014/main" id="{B420CC5B-C316-426B-9162-473D4ED625CF}"/>
+              </a:ext>
+            </a:extLst>
+          </p:cNvPr>
+          <p:cNvSpPr/>
+          <p:nvPr/>
+        </p:nvSpPr>
+        <p:spPr>
+          <a:xfrm>
+            <a:off x="2815006" y="4479116"/>
+            <a:ext cx="1361607" cy="428826"/>
+          </a:xfrm>
+          <a:prstGeom prst="roundRect">
+            <a:avLst/>
+          </a:prstGeom>
+        </p:spPr>
+        <p:style>
+          <a:lnRef idx="2">
+            <a:schemeClr val="accent6">
+              <a:shade val="50000"/>
+            </a:schemeClr>
+          </a:lnRef>
+          <a:fillRef idx="1">
+            <a:schemeClr val="accent6"/>
+          </a:fillRef>
+          <a:effectRef idx="0">
+            <a:schemeClr val="accent6"/>
+          </a:effectRef>
+          <a:fontRef idx="minor">
+            <a:schemeClr val="lt1"/>
+          </a:fontRef>
+        </p:style>
+        <p:txBody>
+          <a:bodyPr rtlCol="0" anchor="ctr"/>
+          <a:lstStyle/>
+          <a:p>
+            <a:pPr algn="ctr"/>
+            <a:r>
+              <a:rPr lang="en-US" altLang="zh-CN">
+                <a:solidFill>
+                  <a:schemeClr val="tx1"/>
+                </a:solidFill>
+              </a:rPr>
+              <a:t>3</a:t>
+            </a:r>
+            <a:endParaRPr lang="zh-CN" altLang="en-US">
+              <a:solidFill>
+                <a:schemeClr val="tx1"/>
+              </a:solidFill>
+            </a:endParaRPr>
+          </a:p>
+        </p:txBody>
+      </p:sp>
+      <p:sp>
+        <p:nvSpPr>
+          <p:cNvPr id="36" name="矩形: 圆角 35">
+            <a:extLst>
+              <a:ext uri="{FF2B5EF4-FFF2-40B4-BE49-F238E27FC236}">
+                <a16:creationId xmlns:a16="http://schemas.microsoft.com/office/drawing/2014/main" id="{BE17D1B9-D15F-4CE0-9503-5007C77B9F12}"/>
+              </a:ext>
+            </a:extLst>
+          </p:cNvPr>
+          <p:cNvSpPr/>
+          <p:nvPr/>
+        </p:nvSpPr>
+        <p:spPr>
+          <a:xfrm>
+            <a:off x="7797685" y="1211690"/>
+            <a:ext cx="1500327" cy="106532"/>
+          </a:xfrm>
+          <a:prstGeom prst="roundRect">
+            <a:avLst/>
+          </a:prstGeom>
+        </p:spPr>
+        <p:style>
+          <a:lnRef idx="2">
+            <a:schemeClr val="accent6">
+              <a:shade val="50000"/>
+            </a:schemeClr>
+          </a:lnRef>
+          <a:fillRef idx="1">
+            <a:schemeClr val="accent6"/>
+          </a:fillRef>
+          <a:effectRef idx="0">
+            <a:schemeClr val="accent6"/>
+          </a:effectRef>
+          <a:fontRef idx="minor">
+            <a:schemeClr val="lt1"/>
+          </a:fontRef>
+        </p:style>
+        <p:txBody>
+          <a:bodyPr rtlCol="0" anchor="ctr"/>
+          <a:lstStyle/>
+          <a:p>
+            <a:pPr algn="ctr"/>
+            <a:endParaRPr lang="zh-CN" altLang="en-US"/>
+          </a:p>
+        </p:txBody>
+      </p:sp>
+      <p:sp>
+        <p:nvSpPr>
+          <p:cNvPr id="39" name="矩形: 圆角 38">
+            <a:extLst>
+              <a:ext uri="{FF2B5EF4-FFF2-40B4-BE49-F238E27FC236}">
+                <a16:creationId xmlns:a16="http://schemas.microsoft.com/office/drawing/2014/main" id="{4B53FA17-9F3E-4556-BC61-9359F0EBE2C0}"/>
+              </a:ext>
+            </a:extLst>
+          </p:cNvPr>
+          <p:cNvSpPr/>
+          <p:nvPr/>
+        </p:nvSpPr>
+        <p:spPr>
+          <a:xfrm>
+            <a:off x="2913682" y="3963052"/>
+            <a:ext cx="974641" cy="417695"/>
+          </a:xfrm>
+          <a:prstGeom prst="roundRect">
+            <a:avLst/>
+          </a:prstGeom>
+        </p:spPr>
+        <p:style>
+          <a:lnRef idx="2">
+            <a:schemeClr val="accent6">
+              <a:shade val="50000"/>
+            </a:schemeClr>
+          </a:lnRef>
+          <a:fillRef idx="1">
+            <a:schemeClr val="accent6"/>
+          </a:fillRef>
+          <a:effectRef idx="0">
+            <a:schemeClr val="accent6"/>
+          </a:effectRef>
+          <a:fontRef idx="minor">
+            <a:schemeClr val="lt1"/>
+          </a:fontRef>
+        </p:style>
+        <p:txBody>
+          <a:bodyPr rtlCol="0" anchor="ctr"/>
+          <a:lstStyle/>
+          <a:p>
+            <a:pPr algn="ctr"/>
+            <a:r>
+              <a:rPr lang="en-US" altLang="zh-CN">
+                <a:solidFill>
+                  <a:schemeClr val="tx1"/>
+                </a:solidFill>
+              </a:rPr>
+              <a:t>2</a:t>
+            </a:r>
+            <a:endParaRPr lang="zh-CN" altLang="en-US">
+              <a:solidFill>
+                <a:schemeClr val="tx1"/>
+              </a:solidFill>
+            </a:endParaRPr>
+          </a:p>
+        </p:txBody>
+      </p:sp>
+      <p:sp>
+        <p:nvSpPr>
+          <p:cNvPr id="40" name="矩形: 圆角 39">
+            <a:extLst>
+              <a:ext uri="{FF2B5EF4-FFF2-40B4-BE49-F238E27FC236}">
+                <a16:creationId xmlns:a16="http://schemas.microsoft.com/office/drawing/2014/main" id="{0A1E0FDE-3E0C-40FE-B8D3-AF4CAA0DC95F}"/>
+              </a:ext>
+            </a:extLst>
+          </p:cNvPr>
+          <p:cNvSpPr/>
+          <p:nvPr/>
+        </p:nvSpPr>
+        <p:spPr>
+          <a:xfrm>
+            <a:off x="921390" y="4416323"/>
+            <a:ext cx="1626501" cy="554413"/>
+          </a:xfrm>
+          <a:prstGeom prst="roundRect">
+            <a:avLst/>
+          </a:prstGeom>
+        </p:spPr>
+        <p:style>
+          <a:lnRef idx="2">
+            <a:schemeClr val="accent6">
+              <a:shade val="50000"/>
+            </a:schemeClr>
+          </a:lnRef>
+          <a:fillRef idx="1">
+            <a:schemeClr val="accent6"/>
+          </a:fillRef>
+          <a:effectRef idx="0">
+            <a:schemeClr val="accent6"/>
+          </a:effectRef>
+          <a:fontRef idx="minor">
+            <a:schemeClr val="lt1"/>
+          </a:fontRef>
+        </p:style>
+        <p:txBody>
+          <a:bodyPr rtlCol="0" anchor="ctr"/>
+          <a:lstStyle/>
+          <a:p>
+            <a:pPr algn="ctr"/>
+            <a:r>
+              <a:rPr lang="en-US" altLang="zh-CN">
+                <a:solidFill>
+                  <a:schemeClr val="tx1"/>
+                </a:solidFill>
+              </a:rPr>
+              <a:t>4</a:t>
+            </a:r>
+            <a:endParaRPr lang="zh-CN" altLang="en-US">
+              <a:solidFill>
+                <a:schemeClr val="tx1"/>
+              </a:solidFill>
+            </a:endParaRPr>
+          </a:p>
+        </p:txBody>
+      </p:sp>
+      <p:sp>
+        <p:nvSpPr>
+          <p:cNvPr id="41" name="矩形: 圆角 40">
+            <a:extLst>
+              <a:ext uri="{FF2B5EF4-FFF2-40B4-BE49-F238E27FC236}">
+                <a16:creationId xmlns:a16="http://schemas.microsoft.com/office/drawing/2014/main" id="{D0B8137D-E0D3-4B3C-BE7D-ECD519A8FDA6}"/>
+              </a:ext>
+            </a:extLst>
+          </p:cNvPr>
+          <p:cNvSpPr/>
+          <p:nvPr/>
+        </p:nvSpPr>
+        <p:spPr>
+          <a:xfrm>
+            <a:off x="7708916" y="1437364"/>
+            <a:ext cx="1819922" cy="124845"/>
+          </a:xfrm>
+          <a:prstGeom prst="roundRect">
+            <a:avLst/>
+          </a:prstGeom>
+        </p:spPr>
+        <p:style>
+          <a:lnRef idx="2">
+            <a:schemeClr val="accent6">
+              <a:shade val="50000"/>
+            </a:schemeClr>
+          </a:lnRef>
+          <a:fillRef idx="1">
+            <a:schemeClr val="accent6"/>
+          </a:fillRef>
+          <a:effectRef idx="0">
+            <a:schemeClr val="accent6"/>
+          </a:effectRef>
+          <a:fontRef idx="minor">
+            <a:schemeClr val="lt1"/>
+          </a:fontRef>
+        </p:style>
+        <p:txBody>
+          <a:bodyPr rtlCol="0" anchor="ctr"/>
+          <a:lstStyle/>
+          <a:p>
+            <a:pPr algn="ctr"/>
+            <a:endParaRPr lang="zh-CN" altLang="en-US"/>
+          </a:p>
+        </p:txBody>
+      </p:sp>
+      <p:sp>
+        <p:nvSpPr>
+          <p:cNvPr id="43" name="标题 1">
+            <a:extLst>
+              <a:ext uri="{FF2B5EF4-FFF2-40B4-BE49-F238E27FC236}">
+                <a16:creationId xmlns:a16="http://schemas.microsoft.com/office/drawing/2014/main" id="{DD853A35-20FA-450F-A66B-4318AA310635}"/>
+              </a:ext>
+            </a:extLst>
+          </p:cNvPr>
+          <p:cNvSpPr txBox="1">
+            <a:spLocks/>
+          </p:cNvSpPr>
+          <p:nvPr/>
+        </p:nvSpPr>
+        <p:spPr>
+          <a:xfrm>
+            <a:off x="3336595" y="5104679"/>
+            <a:ext cx="501587" cy="629035"/>
+          </a:xfrm>
+          <a:prstGeom prst="rect">
+            <a:avLst/>
+          </a:prstGeom>
+        </p:spPr>
+        <p:txBody>
+          <a:bodyPr vert="horz" lIns="91440" tIns="45720" rIns="91440" bIns="45720" rtlCol="0" anchor="ctr">
+            <a:normAutofit/>
+          </a:bodyPr>
+          <a:lstStyle>
+            <a:lvl1pPr algn="l" defTabSz="914400" rtl="0" eaLnBrk="1" latinLnBrk="0" hangingPunct="1">
+              <a:lnSpc>
+                <a:spcPct val="90000"/>
+              </a:lnSpc>
+              <a:spcBef>
+                <a:spcPct val="0"/>
+              </a:spcBef>
+              <a:buNone/>
+              <a:defRPr sz="3200" b="0" kern="1200" cap="none" spc="0" baseline="0">
+                <a:ln>
+                  <a:noFill/>
+                </a:ln>
+                <a:solidFill>
+                  <a:schemeClr val="tx1"/>
+                </a:solidFill>
+                <a:effectLst/>
+                <a:latin typeface="Times New Roman" panose="02020603050405020304" pitchFamily="18" charset="0"/>
+                <a:ea typeface="微软雅黑" panose="020B0503020204020204" pitchFamily="34" charset="-122"/>
+                <a:cs typeface="+mj-cs"/>
+              </a:defRPr>
+            </a:lvl1pPr>
+          </a:lstStyle>
+          <a:p>
+            <a:r>
+              <a:rPr lang="en-US" altLang="zh-CN"/>
+              <a:t>2</a:t>
+            </a:r>
+            <a:endParaRPr lang="zh-CN" altLang="en-US"/>
+          </a:p>
+        </p:txBody>
+      </p:sp>
+      <p:sp>
+        <p:nvSpPr>
+          <p:cNvPr id="44" name="标题 1">
+            <a:extLst>
+              <a:ext uri="{FF2B5EF4-FFF2-40B4-BE49-F238E27FC236}">
+                <a16:creationId xmlns:a16="http://schemas.microsoft.com/office/drawing/2014/main" id="{3889793B-C9F0-47F2-9281-513471EDF4B5}"/>
+              </a:ext>
+            </a:extLst>
+          </p:cNvPr>
+          <p:cNvSpPr txBox="1">
+            <a:spLocks/>
+          </p:cNvSpPr>
+          <p:nvPr/>
+        </p:nvSpPr>
+        <p:spPr>
+          <a:xfrm>
+            <a:off x="1492025" y="5228966"/>
+            <a:ext cx="501587" cy="629035"/>
+          </a:xfrm>
+          <a:prstGeom prst="rect">
+            <a:avLst/>
+          </a:prstGeom>
+        </p:spPr>
+        <p:txBody>
+          <a:bodyPr vert="horz" lIns="91440" tIns="45720" rIns="91440" bIns="45720" rtlCol="0" anchor="ctr">
+            <a:normAutofit/>
+          </a:bodyPr>
+          <a:lstStyle>
+            <a:lvl1pPr algn="l" defTabSz="914400" rtl="0" eaLnBrk="1" latinLnBrk="0" hangingPunct="1">
+              <a:lnSpc>
+                <a:spcPct val="90000"/>
+              </a:lnSpc>
+              <a:spcBef>
+                <a:spcPct val="0"/>
+              </a:spcBef>
+              <a:buNone/>
+              <a:defRPr sz="3200" b="0" kern="1200" cap="none" spc="0" baseline="0">
+                <a:ln>
+                  <a:noFill/>
+                </a:ln>
+                <a:solidFill>
+                  <a:schemeClr val="tx1"/>
+                </a:solidFill>
+                <a:effectLst/>
+                <a:latin typeface="Times New Roman" panose="02020603050405020304" pitchFamily="18" charset="0"/>
+                <a:ea typeface="微软雅黑" panose="020B0503020204020204" pitchFamily="34" charset="-122"/>
+                <a:cs typeface="+mj-cs"/>
+              </a:defRPr>
+            </a:lvl1pPr>
+          </a:lstStyle>
+          <a:p>
+            <a:r>
+              <a:rPr lang="en-US" altLang="zh-CN"/>
+              <a:t>1</a:t>
+            </a:r>
+            <a:endParaRPr lang="zh-CN" altLang="en-US"/>
+          </a:p>
+        </p:txBody>
+      </p:sp>
+      <p:sp>
+        <p:nvSpPr>
+          <p:cNvPr id="45" name="标题 1">
+            <a:extLst>
+              <a:ext uri="{FF2B5EF4-FFF2-40B4-BE49-F238E27FC236}">
+                <a16:creationId xmlns:a16="http://schemas.microsoft.com/office/drawing/2014/main" id="{0BA8AC27-B130-496B-89D1-3ABAA6BE33AC}"/>
+              </a:ext>
+            </a:extLst>
+          </p:cNvPr>
+          <p:cNvSpPr txBox="1">
+            <a:spLocks/>
+          </p:cNvSpPr>
+          <p:nvPr/>
+        </p:nvSpPr>
+        <p:spPr>
+          <a:xfrm>
+            <a:off x="4961257" y="5112276"/>
+            <a:ext cx="501587" cy="629035"/>
+          </a:xfrm>
+          <a:prstGeom prst="rect">
+            <a:avLst/>
+          </a:prstGeom>
+        </p:spPr>
+        <p:txBody>
+          <a:bodyPr vert="horz" lIns="91440" tIns="45720" rIns="91440" bIns="45720" rtlCol="0" anchor="ctr">
+            <a:normAutofit/>
+          </a:bodyPr>
+          <a:lstStyle>
+            <a:lvl1pPr algn="l" defTabSz="914400" rtl="0" eaLnBrk="1" latinLnBrk="0" hangingPunct="1">
+              <a:lnSpc>
+                <a:spcPct val="90000"/>
+              </a:lnSpc>
+              <a:spcBef>
+                <a:spcPct val="0"/>
+              </a:spcBef>
+              <a:buNone/>
+              <a:defRPr sz="3200" b="0" kern="1200" cap="none" spc="0" baseline="0">
+                <a:ln>
+                  <a:noFill/>
+                </a:ln>
+                <a:solidFill>
+                  <a:schemeClr val="tx1"/>
+                </a:solidFill>
+                <a:effectLst/>
+                <a:latin typeface="Times New Roman" panose="02020603050405020304" pitchFamily="18" charset="0"/>
+                <a:ea typeface="微软雅黑" panose="020B0503020204020204" pitchFamily="34" charset="-122"/>
+                <a:cs typeface="+mj-cs"/>
+              </a:defRPr>
+            </a:lvl1pPr>
+          </a:lstStyle>
+          <a:p>
+            <a:r>
+              <a:rPr lang="en-US" altLang="zh-CN"/>
+              <a:t>3</a:t>
+            </a:r>
+            <a:endParaRPr lang="zh-CN" altLang="en-US"/>
+          </a:p>
+        </p:txBody>
+      </p:sp>
+      <p:sp>
+        <p:nvSpPr>
+          <p:cNvPr id="46" name="标题 1">
+            <a:extLst>
+              <a:ext uri="{FF2B5EF4-FFF2-40B4-BE49-F238E27FC236}">
+                <a16:creationId xmlns:a16="http://schemas.microsoft.com/office/drawing/2014/main" id="{6B4B2185-FB97-4262-ADBE-3D39376BF7AE}"/>
+              </a:ext>
+            </a:extLst>
+          </p:cNvPr>
+          <p:cNvSpPr txBox="1">
+            <a:spLocks/>
+          </p:cNvSpPr>
+          <p:nvPr/>
+        </p:nvSpPr>
+        <p:spPr>
+          <a:xfrm>
+            <a:off x="6277383" y="1219065"/>
+            <a:ext cx="2268246" cy="855263"/>
+          </a:xfrm>
+          <a:prstGeom prst="rect">
+            <a:avLst/>
+          </a:prstGeom>
+        </p:spPr>
+        <p:txBody>
+          <a:bodyPr vert="horz" lIns="91440" tIns="45720" rIns="91440" bIns="45720" rtlCol="0" anchor="ctr">
+            <a:normAutofit/>
+          </a:bodyPr>
+          <a:lstStyle>
+            <a:lvl1pPr algn="l" defTabSz="914400" rtl="0" eaLnBrk="1" latinLnBrk="0" hangingPunct="1">
+              <a:lnSpc>
+                <a:spcPct val="90000"/>
+              </a:lnSpc>
+              <a:spcBef>
+                <a:spcPct val="0"/>
+              </a:spcBef>
+              <a:buNone/>
+              <a:defRPr sz="3200" b="0" kern="1200" cap="none" spc="0" baseline="0">
+                <a:ln>
+                  <a:noFill/>
+                </a:ln>
+                <a:solidFill>
+                  <a:schemeClr val="tx1"/>
+                </a:solidFill>
+                <a:effectLst/>
+                <a:latin typeface="Times New Roman" panose="02020603050405020304" pitchFamily="18" charset="0"/>
+                <a:ea typeface="微软雅黑" panose="020B0503020204020204" pitchFamily="34" charset="-122"/>
+                <a:cs typeface="+mj-cs"/>
+              </a:defRPr>
+            </a:lvl1pPr>
+          </a:lstStyle>
+          <a:p>
+            <a:pPr marL="514350" indent="-514350">
+              <a:buFont typeface="+mj-lt"/>
+              <a:buAutoNum type="arabicPeriod"/>
+            </a:pPr>
+            <a:r>
+              <a:rPr lang="zh-CN" altLang="en-US" sz="1200"/>
+              <a:t>所有数字初始化为栈</a:t>
+            </a:r>
+            <a:endParaRPr lang="en-US" altLang="zh-CN" sz="1200"/>
+          </a:p>
+          <a:p>
+            <a:pPr marL="514350" indent="-514350">
+              <a:buFont typeface="+mj-lt"/>
+              <a:buAutoNum type="arabicPeriod"/>
+            </a:pPr>
+            <a:r>
+              <a:rPr lang="zh-CN" altLang="en-US" sz="1200"/>
+              <a:t>出栈，放入塔</a:t>
+            </a:r>
+            <a:r>
+              <a:rPr lang="en-US" altLang="zh-CN" sz="1200"/>
+              <a:t>2</a:t>
+            </a:r>
+            <a:r>
+              <a:rPr lang="zh-CN" altLang="en-US" sz="1200"/>
+              <a:t>中</a:t>
+            </a:r>
+            <a:endParaRPr lang="en-US" altLang="zh-CN" sz="1200"/>
+          </a:p>
+          <a:p>
+            <a:pPr marL="514350" indent="-514350">
+              <a:buFont typeface="+mj-lt"/>
+              <a:buAutoNum type="arabicPeriod"/>
+            </a:pPr>
+            <a:r>
+              <a:rPr lang="zh-CN" altLang="en-US" sz="1200"/>
+              <a:t>继续出栈，放入塔</a:t>
+            </a:r>
+            <a:r>
+              <a:rPr lang="en-US" altLang="zh-CN" sz="1200"/>
+              <a:t>3</a:t>
+            </a:r>
+          </a:p>
+          <a:p>
+            <a:pPr marL="514350" indent="-514350">
+              <a:buFont typeface="+mj-lt"/>
+              <a:buAutoNum type="arabicPeriod"/>
+            </a:pPr>
+            <a:r>
+              <a:rPr lang="zh-CN" altLang="en-US" sz="1200"/>
+              <a:t>塔</a:t>
+            </a:r>
+            <a:r>
+              <a:rPr lang="en-US" altLang="zh-CN" sz="1200"/>
+              <a:t>2</a:t>
+            </a:r>
+            <a:r>
+              <a:rPr lang="zh-CN" altLang="en-US" sz="1200"/>
+              <a:t>出栈，放入塔</a:t>
+            </a:r>
+            <a:r>
+              <a:rPr lang="en-US" altLang="zh-CN" sz="1200"/>
+              <a:t>3</a:t>
+            </a:r>
+          </a:p>
+        </p:txBody>
+      </p:sp>
+      <p:sp>
+        <p:nvSpPr>
+          <p:cNvPr id="47" name="标题 1">
+            <a:extLst>
+              <a:ext uri="{FF2B5EF4-FFF2-40B4-BE49-F238E27FC236}">
+                <a16:creationId xmlns:a16="http://schemas.microsoft.com/office/drawing/2014/main" id="{D36BDDDE-7714-48F6-8CB5-E0A23ABBE61A}"/>
+              </a:ext>
+            </a:extLst>
+          </p:cNvPr>
+          <p:cNvSpPr txBox="1">
+            <a:spLocks/>
+          </p:cNvSpPr>
+          <p:nvPr/>
+        </p:nvSpPr>
+        <p:spPr>
+          <a:xfrm>
+            <a:off x="6288245" y="2463527"/>
+            <a:ext cx="2268246" cy="855263"/>
+          </a:xfrm>
+          <a:prstGeom prst="rect">
+            <a:avLst/>
+          </a:prstGeom>
+        </p:spPr>
+        <p:txBody>
+          <a:bodyPr vert="horz" lIns="91440" tIns="45720" rIns="91440" bIns="45720" rtlCol="0" anchor="ctr">
+            <a:normAutofit/>
+          </a:bodyPr>
+          <a:lstStyle>
+            <a:lvl1pPr algn="l" defTabSz="914400" rtl="0" eaLnBrk="1" latinLnBrk="0" hangingPunct="1">
+              <a:lnSpc>
+                <a:spcPct val="90000"/>
+              </a:lnSpc>
+              <a:spcBef>
+                <a:spcPct val="0"/>
+              </a:spcBef>
+              <a:buNone/>
+              <a:defRPr sz="3200" b="0" kern="1200" cap="none" spc="0" baseline="0">
+                <a:ln>
+                  <a:noFill/>
+                </a:ln>
+                <a:solidFill>
+                  <a:schemeClr val="tx1"/>
+                </a:solidFill>
+                <a:effectLst/>
+                <a:latin typeface="Times New Roman" panose="02020603050405020304" pitchFamily="18" charset="0"/>
+                <a:ea typeface="微软雅黑" panose="020B0503020204020204" pitchFamily="34" charset="-122"/>
+                <a:cs typeface="+mj-cs"/>
+              </a:defRPr>
+            </a:lvl1pPr>
+          </a:lstStyle>
+          <a:p>
+            <a:pPr marL="514350" indent="-514350">
+              <a:buFont typeface="+mj-lt"/>
+              <a:buAutoNum type="arabicPeriod"/>
+            </a:pPr>
+            <a:r>
+              <a:rPr lang="zh-CN" altLang="en-US" sz="1200"/>
+              <a:t>所有数字初始化为栈</a:t>
+            </a:r>
+            <a:endParaRPr lang="en-US" altLang="zh-CN" sz="1200"/>
+          </a:p>
+          <a:p>
+            <a:pPr marL="514350" indent="-514350">
+              <a:buFont typeface="+mj-lt"/>
+              <a:buAutoNum type="arabicPeriod"/>
+            </a:pPr>
+            <a:r>
+              <a:rPr lang="zh-CN" altLang="en-US" sz="1200"/>
+              <a:t>出栈，放入塔</a:t>
+            </a:r>
+            <a:r>
+              <a:rPr lang="en-US" altLang="zh-CN" sz="1200"/>
+              <a:t>2</a:t>
+            </a:r>
+            <a:r>
+              <a:rPr lang="zh-CN" altLang="en-US" sz="1200"/>
+              <a:t>中</a:t>
+            </a:r>
+            <a:endParaRPr lang="en-US" altLang="zh-CN" sz="1200"/>
+          </a:p>
+          <a:p>
+            <a:pPr marL="514350" indent="-514350">
+              <a:buFont typeface="+mj-lt"/>
+              <a:buAutoNum type="arabicPeriod"/>
+            </a:pPr>
+            <a:r>
+              <a:rPr lang="zh-CN" altLang="en-US" sz="1200"/>
+              <a:t>继续出栈，放入塔</a:t>
+            </a:r>
+            <a:r>
+              <a:rPr lang="en-US" altLang="zh-CN" sz="1200"/>
+              <a:t>3</a:t>
+            </a:r>
+          </a:p>
+          <a:p>
+            <a:pPr marL="514350" indent="-514350">
+              <a:buFont typeface="+mj-lt"/>
+              <a:buAutoNum type="arabicPeriod"/>
+            </a:pPr>
+            <a:r>
+              <a:rPr lang="zh-CN" altLang="en-US" sz="1200"/>
+              <a:t>塔</a:t>
+            </a:r>
+            <a:r>
+              <a:rPr lang="en-US" altLang="zh-CN" sz="1200"/>
+              <a:t>2</a:t>
+            </a:r>
+            <a:r>
+              <a:rPr lang="zh-CN" altLang="en-US" sz="1200"/>
+              <a:t>出栈，放入塔</a:t>
+            </a:r>
+            <a:r>
+              <a:rPr lang="en-US" altLang="zh-CN" sz="1200"/>
+              <a:t>3</a:t>
+            </a:r>
+          </a:p>
+        </p:txBody>
+      </p:sp>
+    </p:spTree>
+    <p:extLst>
+      <p:ext uri="{BB962C8B-B14F-4D97-AF65-F5344CB8AC3E}">
+        <p14:creationId xmlns:p14="http://schemas.microsoft.com/office/powerpoint/2010/main" val="4253177465"/>
+      </p:ext>
+    </p:extLst>
+  </p:cSld>
+  <p:clrMapOvr>
+    <a:masterClrMapping/>
+  </p:clrMapOvr>
+</p:sld>
+</file>
+
+<file path=ppt/slides/slide14.xml><?xml version="1.0" encoding="utf-8"?>
+<p:sld xmlns:a="http://schemas.openxmlformats.org/drawingml/2006/main" xmlns:r="http://schemas.openxmlformats.org/officeDocument/2006/relationships" xmlns:p="http://schemas.openxmlformats.org/presentationml/2006/main">
+  <p:cSld>
+    <p:spTree>
+      <p:nvGrpSpPr>
+        <p:cNvPr id="1" name=""/>
+        <p:cNvGrpSpPr/>
+        <p:nvPr/>
+      </p:nvGrpSpPr>
+      <p:grpSpPr>
+        <a:xfrm>
+          <a:off x="0" y="0"/>
+          <a:ext cx="0" cy="0"/>
+          <a:chOff x="0" y="0"/>
+          <a:chExt cx="0" cy="0"/>
+        </a:xfrm>
+      </p:grpSpPr>
       <p:grpSp>
         <p:nvGrpSpPr>
           <p:cNvPr id="6" name="组合 5">

--- a/线性表/数据结构可视化辅助理解，便于代码开发.pptx
+++ b/线性表/数据结构可视化辅助理解，便于代码开发.pptx
@@ -19,6 +19,7 @@
     <p:sldId id="268" r:id="rId13"/>
     <p:sldId id="270" r:id="rId14"/>
     <p:sldId id="269" r:id="rId15"/>
+    <p:sldId id="271" r:id="rId16"/>
   </p:sldIdLst>
   <p:sldSz cx="12192000" cy="6858000"/>
   <p:notesSz cx="6858000" cy="9144000"/>
@@ -272,7 +273,7 @@
           <a:p>
             <a:fld id="{00F45E2C-A052-4CA8-89FD-DA47DCEA70CB}" type="datetimeFigureOut">
               <a:rPr lang="zh-CN" altLang="en-US" smtClean="0"/>
-              <a:t>2019/6/3</a:t>
+              <a:t>2019/6/4</a:t>
             </a:fld>
             <a:endParaRPr lang="zh-CN" altLang="en-US"/>
           </a:p>
@@ -470,7 +471,7 @@
           <a:p>
             <a:fld id="{00F45E2C-A052-4CA8-89FD-DA47DCEA70CB}" type="datetimeFigureOut">
               <a:rPr lang="zh-CN" altLang="en-US" smtClean="0"/>
-              <a:t>2019/6/3</a:t>
+              <a:t>2019/6/4</a:t>
             </a:fld>
             <a:endParaRPr lang="zh-CN" altLang="en-US"/>
           </a:p>
@@ -678,7 +679,7 @@
           <a:p>
             <a:fld id="{00F45E2C-A052-4CA8-89FD-DA47DCEA70CB}" type="datetimeFigureOut">
               <a:rPr lang="zh-CN" altLang="en-US" smtClean="0"/>
-              <a:t>2019/6/3</a:t>
+              <a:t>2019/6/4</a:t>
             </a:fld>
             <a:endParaRPr lang="zh-CN" altLang="en-US"/>
           </a:p>
@@ -848,7 +849,7 @@
             <a:fld id="{00F45E2C-A052-4CA8-89FD-DA47DCEA70CB}" type="datetimeFigureOut">
               <a:rPr lang="zh-CN" altLang="en-US" smtClean="0"/>
               <a:pPr/>
-              <a:t>2019/6/3</a:t>
+              <a:t>2019/6/4</a:t>
             </a:fld>
             <a:endParaRPr lang="zh-CN" altLang="en-US"/>
           </a:p>
@@ -1276,7 +1277,7 @@
           <a:p>
             <a:fld id="{00F45E2C-A052-4CA8-89FD-DA47DCEA70CB}" type="datetimeFigureOut">
               <a:rPr lang="zh-CN" altLang="en-US" smtClean="0"/>
-              <a:t>2019/6/3</a:t>
+              <a:t>2019/6/4</a:t>
             </a:fld>
             <a:endParaRPr lang="zh-CN" altLang="en-US"/>
           </a:p>
@@ -1541,7 +1542,7 @@
           <a:p>
             <a:fld id="{00F45E2C-A052-4CA8-89FD-DA47DCEA70CB}" type="datetimeFigureOut">
               <a:rPr lang="zh-CN" altLang="en-US" smtClean="0"/>
-              <a:t>2019/6/3</a:t>
+              <a:t>2019/6/4</a:t>
             </a:fld>
             <a:endParaRPr lang="zh-CN" altLang="en-US"/>
           </a:p>
@@ -1953,7 +1954,7 @@
           <a:p>
             <a:fld id="{00F45E2C-A052-4CA8-89FD-DA47DCEA70CB}" type="datetimeFigureOut">
               <a:rPr lang="zh-CN" altLang="en-US" smtClean="0"/>
-              <a:t>2019/6/3</a:t>
+              <a:t>2019/6/4</a:t>
             </a:fld>
             <a:endParaRPr lang="zh-CN" altLang="en-US"/>
           </a:p>
@@ -2094,7 +2095,7 @@
           <a:p>
             <a:fld id="{00F45E2C-A052-4CA8-89FD-DA47DCEA70CB}" type="datetimeFigureOut">
               <a:rPr lang="zh-CN" altLang="en-US" smtClean="0"/>
-              <a:t>2019/6/3</a:t>
+              <a:t>2019/6/4</a:t>
             </a:fld>
             <a:endParaRPr lang="zh-CN" altLang="en-US"/>
           </a:p>
@@ -2207,7 +2208,7 @@
           <a:p>
             <a:fld id="{00F45E2C-A052-4CA8-89FD-DA47DCEA70CB}" type="datetimeFigureOut">
               <a:rPr lang="zh-CN" altLang="en-US" smtClean="0"/>
-              <a:t>2019/6/3</a:t>
+              <a:t>2019/6/4</a:t>
             </a:fld>
             <a:endParaRPr lang="zh-CN" altLang="en-US"/>
           </a:p>
@@ -2518,7 +2519,7 @@
           <a:p>
             <a:fld id="{00F45E2C-A052-4CA8-89FD-DA47DCEA70CB}" type="datetimeFigureOut">
               <a:rPr lang="zh-CN" altLang="en-US" smtClean="0"/>
-              <a:t>2019/6/3</a:t>
+              <a:t>2019/6/4</a:t>
             </a:fld>
             <a:endParaRPr lang="zh-CN" altLang="en-US"/>
           </a:p>
@@ -2806,7 +2807,7 @@
           <a:p>
             <a:fld id="{00F45E2C-A052-4CA8-89FD-DA47DCEA70CB}" type="datetimeFigureOut">
               <a:rPr lang="zh-CN" altLang="en-US" smtClean="0"/>
-              <a:t>2019/6/3</a:t>
+              <a:t>2019/6/4</a:t>
             </a:fld>
             <a:endParaRPr lang="zh-CN" altLang="en-US"/>
           </a:p>
@@ -3047,7 +3048,7 @@
           <a:p>
             <a:fld id="{00F45E2C-A052-4CA8-89FD-DA47DCEA70CB}" type="datetimeFigureOut">
               <a:rPr lang="zh-CN" altLang="en-US" smtClean="0"/>
-              <a:t>2019/6/3</a:t>
+              <a:t>2019/6/4</a:t>
             </a:fld>
             <a:endParaRPr lang="zh-CN" altLang="en-US"/>
           </a:p>
@@ -12235,6 +12236,1544 @@
 </p:sld>
 </file>
 
+<file path=ppt/slides/slide15.xml><?xml version="1.0" encoding="utf-8"?>
+<p:sld xmlns:a="http://schemas.openxmlformats.org/drawingml/2006/main" xmlns:r="http://schemas.openxmlformats.org/officeDocument/2006/relationships" xmlns:p="http://schemas.openxmlformats.org/presentationml/2006/main">
+  <p:cSld>
+    <p:spTree>
+      <p:nvGrpSpPr>
+        <p:cNvPr id="1" name=""/>
+        <p:cNvGrpSpPr/>
+        <p:nvPr/>
+      </p:nvGrpSpPr>
+      <p:grpSpPr>
+        <a:xfrm>
+          <a:off x="0" y="0"/>
+          <a:ext cx="0" cy="0"/>
+          <a:chOff x="0" y="0"/>
+          <a:chExt cx="0" cy="0"/>
+        </a:xfrm>
+      </p:grpSpPr>
+      <p:grpSp>
+        <p:nvGrpSpPr>
+          <p:cNvPr id="5" name="组合 4">
+            <a:extLst>
+              <a:ext uri="{FF2B5EF4-FFF2-40B4-BE49-F238E27FC236}">
+                <a16:creationId xmlns:a16="http://schemas.microsoft.com/office/drawing/2014/main" id="{7895653F-C5DD-48D0-9BEA-B9B12C9DEFF2}"/>
+              </a:ext>
+            </a:extLst>
+          </p:cNvPr>
+          <p:cNvGrpSpPr/>
+          <p:nvPr/>
+        </p:nvGrpSpPr>
+        <p:grpSpPr>
+          <a:xfrm>
+            <a:off x="1430785" y="1459808"/>
+            <a:ext cx="1307977" cy="727966"/>
+            <a:chOff x="1074198" y="1748900"/>
+            <a:chExt cx="2645546" cy="781236"/>
+          </a:xfrm>
+          <a:solidFill>
+            <a:schemeClr val="accent3">
+              <a:lumMod val="40000"/>
+              <a:lumOff val="60000"/>
+            </a:schemeClr>
+          </a:solidFill>
+        </p:grpSpPr>
+        <p:sp>
+          <p:nvSpPr>
+            <p:cNvPr id="7" name="矩形 6">
+              <a:extLst>
+                <a:ext uri="{FF2B5EF4-FFF2-40B4-BE49-F238E27FC236}">
+                  <a16:creationId xmlns:a16="http://schemas.microsoft.com/office/drawing/2014/main" id="{344A1A50-2177-4762-8693-1BC1B3F2467E}"/>
+                </a:ext>
+              </a:extLst>
+            </p:cNvPr>
+            <p:cNvSpPr/>
+            <p:nvPr/>
+          </p:nvSpPr>
+          <p:spPr>
+            <a:xfrm>
+              <a:off x="1074198" y="1748901"/>
+              <a:ext cx="1322773" cy="781235"/>
+            </a:xfrm>
+            <a:prstGeom prst="rect">
+              <a:avLst/>
+            </a:prstGeom>
+            <a:grpFill/>
+          </p:spPr>
+          <p:style>
+            <a:lnRef idx="2">
+              <a:schemeClr val="accent1">
+                <a:shade val="50000"/>
+              </a:schemeClr>
+            </a:lnRef>
+            <a:fillRef idx="1">
+              <a:schemeClr val="accent1"/>
+            </a:fillRef>
+            <a:effectRef idx="0">
+              <a:schemeClr val="accent1"/>
+            </a:effectRef>
+            <a:fontRef idx="minor">
+              <a:schemeClr val="lt1"/>
+            </a:fontRef>
+          </p:style>
+          <p:txBody>
+            <a:bodyPr rtlCol="0" anchor="ctr"/>
+            <a:lstStyle/>
+            <a:p>
+              <a:pPr algn="ctr"/>
+              <a:r>
+                <a:rPr lang="en-US" altLang="zh-CN">
+                  <a:solidFill>
+                    <a:schemeClr val="tx1"/>
+                  </a:solidFill>
+                </a:rPr>
+                <a:t>1</a:t>
+              </a:r>
+              <a:endParaRPr lang="zh-CN" altLang="en-US" dirty="0">
+                <a:solidFill>
+                  <a:schemeClr val="tx1"/>
+                </a:solidFill>
+              </a:endParaRPr>
+            </a:p>
+          </p:txBody>
+        </p:sp>
+        <p:sp>
+          <p:nvSpPr>
+            <p:cNvPr id="8" name="矩形 7">
+              <a:extLst>
+                <a:ext uri="{FF2B5EF4-FFF2-40B4-BE49-F238E27FC236}">
+                  <a16:creationId xmlns:a16="http://schemas.microsoft.com/office/drawing/2014/main" id="{EA6D6150-D393-4EB7-9FE3-3C6D7C706C1B}"/>
+                </a:ext>
+              </a:extLst>
+            </p:cNvPr>
+            <p:cNvSpPr/>
+            <p:nvPr/>
+          </p:nvSpPr>
+          <p:spPr>
+            <a:xfrm>
+              <a:off x="2396971" y="1748900"/>
+              <a:ext cx="1322773" cy="781235"/>
+            </a:xfrm>
+            <a:prstGeom prst="rect">
+              <a:avLst/>
+            </a:prstGeom>
+            <a:grpFill/>
+          </p:spPr>
+          <p:style>
+            <a:lnRef idx="2">
+              <a:schemeClr val="accent1">
+                <a:shade val="50000"/>
+              </a:schemeClr>
+            </a:lnRef>
+            <a:fillRef idx="1">
+              <a:schemeClr val="accent1"/>
+            </a:fillRef>
+            <a:effectRef idx="0">
+              <a:schemeClr val="accent1"/>
+            </a:effectRef>
+            <a:fontRef idx="minor">
+              <a:schemeClr val="lt1"/>
+            </a:fontRef>
+          </p:style>
+          <p:txBody>
+            <a:bodyPr rtlCol="0" anchor="ctr"/>
+            <a:lstStyle/>
+            <a:p>
+              <a:pPr algn="ctr"/>
+              <a:r>
+                <a:rPr lang="zh-CN" altLang="en-US" dirty="0">
+                  <a:solidFill>
+                    <a:schemeClr val="tx1"/>
+                  </a:solidFill>
+                </a:rPr>
+                <a:t>指针</a:t>
+              </a:r>
+            </a:p>
+          </p:txBody>
+        </p:sp>
+      </p:grpSp>
+      <p:grpSp>
+        <p:nvGrpSpPr>
+          <p:cNvPr id="10" name="组合 9">
+            <a:extLst>
+              <a:ext uri="{FF2B5EF4-FFF2-40B4-BE49-F238E27FC236}">
+                <a16:creationId xmlns:a16="http://schemas.microsoft.com/office/drawing/2014/main" id="{B4F9ADB9-CE34-4901-9C4C-A35E48C5CA95}"/>
+              </a:ext>
+            </a:extLst>
+          </p:cNvPr>
+          <p:cNvGrpSpPr/>
+          <p:nvPr/>
+        </p:nvGrpSpPr>
+        <p:grpSpPr>
+          <a:xfrm>
+            <a:off x="3173769" y="1455251"/>
+            <a:ext cx="1307977" cy="727966"/>
+            <a:chOff x="1074198" y="1748900"/>
+            <a:chExt cx="2645546" cy="781236"/>
+          </a:xfrm>
+          <a:solidFill>
+            <a:schemeClr val="accent3">
+              <a:lumMod val="40000"/>
+              <a:lumOff val="60000"/>
+            </a:schemeClr>
+          </a:solidFill>
+        </p:grpSpPr>
+        <p:sp>
+          <p:nvSpPr>
+            <p:cNvPr id="12" name="矩形 11">
+              <a:extLst>
+                <a:ext uri="{FF2B5EF4-FFF2-40B4-BE49-F238E27FC236}">
+                  <a16:creationId xmlns:a16="http://schemas.microsoft.com/office/drawing/2014/main" id="{1F63E634-18EF-4B01-907F-DEF76C591E31}"/>
+                </a:ext>
+              </a:extLst>
+            </p:cNvPr>
+            <p:cNvSpPr/>
+            <p:nvPr/>
+          </p:nvSpPr>
+          <p:spPr>
+            <a:xfrm>
+              <a:off x="1074198" y="1748901"/>
+              <a:ext cx="1322773" cy="781235"/>
+            </a:xfrm>
+            <a:prstGeom prst="rect">
+              <a:avLst/>
+            </a:prstGeom>
+            <a:grpFill/>
+          </p:spPr>
+          <p:style>
+            <a:lnRef idx="2">
+              <a:schemeClr val="accent1">
+                <a:shade val="50000"/>
+              </a:schemeClr>
+            </a:lnRef>
+            <a:fillRef idx="1">
+              <a:schemeClr val="accent1"/>
+            </a:fillRef>
+            <a:effectRef idx="0">
+              <a:schemeClr val="accent1"/>
+            </a:effectRef>
+            <a:fontRef idx="minor">
+              <a:schemeClr val="lt1"/>
+            </a:fontRef>
+          </p:style>
+          <p:txBody>
+            <a:bodyPr rtlCol="0" anchor="ctr"/>
+            <a:lstStyle/>
+            <a:p>
+              <a:pPr algn="ctr"/>
+              <a:r>
+                <a:rPr lang="en-US" altLang="zh-CN">
+                  <a:solidFill>
+                    <a:schemeClr val="tx1"/>
+                  </a:solidFill>
+                </a:rPr>
+                <a:t>2</a:t>
+              </a:r>
+              <a:endParaRPr lang="zh-CN" altLang="en-US" dirty="0">
+                <a:solidFill>
+                  <a:schemeClr val="tx1"/>
+                </a:solidFill>
+              </a:endParaRPr>
+            </a:p>
+          </p:txBody>
+        </p:sp>
+        <p:sp>
+          <p:nvSpPr>
+            <p:cNvPr id="13" name="矩形 12">
+              <a:extLst>
+                <a:ext uri="{FF2B5EF4-FFF2-40B4-BE49-F238E27FC236}">
+                  <a16:creationId xmlns:a16="http://schemas.microsoft.com/office/drawing/2014/main" id="{FEB9A297-EF99-4BAC-A712-9B9227D8FF16}"/>
+                </a:ext>
+              </a:extLst>
+            </p:cNvPr>
+            <p:cNvSpPr/>
+            <p:nvPr/>
+          </p:nvSpPr>
+          <p:spPr>
+            <a:xfrm>
+              <a:off x="2396971" y="1748900"/>
+              <a:ext cx="1322773" cy="781235"/>
+            </a:xfrm>
+            <a:prstGeom prst="rect">
+              <a:avLst/>
+            </a:prstGeom>
+            <a:grpFill/>
+          </p:spPr>
+          <p:style>
+            <a:lnRef idx="2">
+              <a:schemeClr val="accent1">
+                <a:shade val="50000"/>
+              </a:schemeClr>
+            </a:lnRef>
+            <a:fillRef idx="1">
+              <a:schemeClr val="accent1"/>
+            </a:fillRef>
+            <a:effectRef idx="0">
+              <a:schemeClr val="accent1"/>
+            </a:effectRef>
+            <a:fontRef idx="minor">
+              <a:schemeClr val="lt1"/>
+            </a:fontRef>
+          </p:style>
+          <p:txBody>
+            <a:bodyPr rtlCol="0" anchor="ctr"/>
+            <a:lstStyle/>
+            <a:p>
+              <a:pPr algn="ctr"/>
+              <a:r>
+                <a:rPr lang="zh-CN" altLang="en-US" dirty="0">
+                  <a:solidFill>
+                    <a:schemeClr val="tx1"/>
+                  </a:solidFill>
+                </a:rPr>
+                <a:t>指针</a:t>
+              </a:r>
+            </a:p>
+          </p:txBody>
+        </p:sp>
+      </p:grpSp>
+      <p:grpSp>
+        <p:nvGrpSpPr>
+          <p:cNvPr id="15" name="组合 14">
+            <a:extLst>
+              <a:ext uri="{FF2B5EF4-FFF2-40B4-BE49-F238E27FC236}">
+                <a16:creationId xmlns:a16="http://schemas.microsoft.com/office/drawing/2014/main" id="{0115BEB7-994C-4EAA-9A61-340C2D25E007}"/>
+              </a:ext>
+            </a:extLst>
+          </p:cNvPr>
+          <p:cNvGrpSpPr/>
+          <p:nvPr/>
+        </p:nvGrpSpPr>
+        <p:grpSpPr>
+          <a:xfrm>
+            <a:off x="4944858" y="1443067"/>
+            <a:ext cx="1307977" cy="727966"/>
+            <a:chOff x="1074198" y="1748900"/>
+            <a:chExt cx="2645546" cy="781236"/>
+          </a:xfrm>
+          <a:solidFill>
+            <a:schemeClr val="accent3">
+              <a:lumMod val="40000"/>
+              <a:lumOff val="60000"/>
+            </a:schemeClr>
+          </a:solidFill>
+        </p:grpSpPr>
+        <p:sp>
+          <p:nvSpPr>
+            <p:cNvPr id="17" name="矩形 16">
+              <a:extLst>
+                <a:ext uri="{FF2B5EF4-FFF2-40B4-BE49-F238E27FC236}">
+                  <a16:creationId xmlns:a16="http://schemas.microsoft.com/office/drawing/2014/main" id="{11B1AA59-4E5C-479C-9620-7EC95869581F}"/>
+                </a:ext>
+              </a:extLst>
+            </p:cNvPr>
+            <p:cNvSpPr/>
+            <p:nvPr/>
+          </p:nvSpPr>
+          <p:spPr>
+            <a:xfrm>
+              <a:off x="1074198" y="1748901"/>
+              <a:ext cx="1322773" cy="781235"/>
+            </a:xfrm>
+            <a:prstGeom prst="rect">
+              <a:avLst/>
+            </a:prstGeom>
+            <a:grpFill/>
+          </p:spPr>
+          <p:style>
+            <a:lnRef idx="2">
+              <a:schemeClr val="accent1">
+                <a:shade val="50000"/>
+              </a:schemeClr>
+            </a:lnRef>
+            <a:fillRef idx="1">
+              <a:schemeClr val="accent1"/>
+            </a:fillRef>
+            <a:effectRef idx="0">
+              <a:schemeClr val="accent1"/>
+            </a:effectRef>
+            <a:fontRef idx="minor">
+              <a:schemeClr val="lt1"/>
+            </a:fontRef>
+          </p:style>
+          <p:txBody>
+            <a:bodyPr rtlCol="0" anchor="ctr"/>
+            <a:lstStyle/>
+            <a:p>
+              <a:pPr algn="ctr"/>
+              <a:r>
+                <a:rPr lang="en-US" altLang="zh-CN">
+                  <a:solidFill>
+                    <a:schemeClr val="tx1"/>
+                  </a:solidFill>
+                </a:rPr>
+                <a:t>3</a:t>
+              </a:r>
+              <a:endParaRPr lang="zh-CN" altLang="en-US" dirty="0">
+                <a:solidFill>
+                  <a:schemeClr val="tx1"/>
+                </a:solidFill>
+              </a:endParaRPr>
+            </a:p>
+          </p:txBody>
+        </p:sp>
+        <p:sp>
+          <p:nvSpPr>
+            <p:cNvPr id="18" name="矩形 17">
+              <a:extLst>
+                <a:ext uri="{FF2B5EF4-FFF2-40B4-BE49-F238E27FC236}">
+                  <a16:creationId xmlns:a16="http://schemas.microsoft.com/office/drawing/2014/main" id="{2A7F0C48-5B07-472F-B14A-8E59B666C34C}"/>
+                </a:ext>
+              </a:extLst>
+            </p:cNvPr>
+            <p:cNvSpPr/>
+            <p:nvPr/>
+          </p:nvSpPr>
+          <p:spPr>
+            <a:xfrm>
+              <a:off x="2396971" y="1748900"/>
+              <a:ext cx="1322773" cy="781235"/>
+            </a:xfrm>
+            <a:prstGeom prst="rect">
+              <a:avLst/>
+            </a:prstGeom>
+            <a:grpFill/>
+          </p:spPr>
+          <p:style>
+            <a:lnRef idx="2">
+              <a:schemeClr val="accent1">
+                <a:shade val="50000"/>
+              </a:schemeClr>
+            </a:lnRef>
+            <a:fillRef idx="1">
+              <a:schemeClr val="accent1"/>
+            </a:fillRef>
+            <a:effectRef idx="0">
+              <a:schemeClr val="accent1"/>
+            </a:effectRef>
+            <a:fontRef idx="minor">
+              <a:schemeClr val="lt1"/>
+            </a:fontRef>
+          </p:style>
+          <p:txBody>
+            <a:bodyPr rtlCol="0" anchor="ctr"/>
+            <a:lstStyle/>
+            <a:p>
+              <a:pPr algn="ctr"/>
+              <a:r>
+                <a:rPr lang="zh-CN" altLang="en-US" dirty="0">
+                  <a:solidFill>
+                    <a:schemeClr val="tx1"/>
+                  </a:solidFill>
+                </a:rPr>
+                <a:t>指针</a:t>
+              </a:r>
+            </a:p>
+          </p:txBody>
+        </p:sp>
+      </p:grpSp>
+      <p:sp>
+        <p:nvSpPr>
+          <p:cNvPr id="19" name="矩形 18">
+            <a:extLst>
+              <a:ext uri="{FF2B5EF4-FFF2-40B4-BE49-F238E27FC236}">
+                <a16:creationId xmlns:a16="http://schemas.microsoft.com/office/drawing/2014/main" id="{EC48A0AB-4F2E-4D1E-BC1B-9D1697F69E21}"/>
+              </a:ext>
+            </a:extLst>
+          </p:cNvPr>
+          <p:cNvSpPr/>
+          <p:nvPr/>
+        </p:nvSpPr>
+        <p:spPr>
+          <a:xfrm>
+            <a:off x="119415" y="912214"/>
+            <a:ext cx="941033" cy="727966"/>
+          </a:xfrm>
+          <a:prstGeom prst="rect">
+            <a:avLst/>
+          </a:prstGeom>
+          <a:solidFill>
+            <a:schemeClr val="accent3">
+              <a:lumMod val="40000"/>
+              <a:lumOff val="60000"/>
+            </a:schemeClr>
+          </a:solidFill>
+        </p:spPr>
+        <p:style>
+          <a:lnRef idx="2">
+            <a:schemeClr val="accent1">
+              <a:shade val="50000"/>
+            </a:schemeClr>
+          </a:lnRef>
+          <a:fillRef idx="1">
+            <a:schemeClr val="accent1"/>
+          </a:fillRef>
+          <a:effectRef idx="0">
+            <a:schemeClr val="accent1"/>
+          </a:effectRef>
+          <a:fontRef idx="minor">
+            <a:schemeClr val="lt1"/>
+          </a:fontRef>
+        </p:style>
+        <p:txBody>
+          <a:bodyPr rtlCol="0" anchor="ctr"/>
+          <a:lstStyle/>
+          <a:p>
+            <a:pPr algn="ctr"/>
+            <a:r>
+              <a:rPr lang="zh-CN" altLang="en-US" dirty="0">
+                <a:solidFill>
+                  <a:schemeClr val="tx1"/>
+                </a:solidFill>
+              </a:rPr>
+              <a:t>空指针</a:t>
+            </a:r>
+          </a:p>
+        </p:txBody>
+      </p:sp>
+      <p:cxnSp>
+        <p:nvCxnSpPr>
+          <p:cNvPr id="21" name="连接符: 曲线 20">
+            <a:extLst>
+              <a:ext uri="{FF2B5EF4-FFF2-40B4-BE49-F238E27FC236}">
+                <a16:creationId xmlns:a16="http://schemas.microsoft.com/office/drawing/2014/main" id="{F3BE807B-AC2D-4478-A9C4-D2ECCA89812E}"/>
+              </a:ext>
+            </a:extLst>
+          </p:cNvPr>
+          <p:cNvCxnSpPr>
+            <a:cxnSpLocks/>
+            <a:stCxn id="8" idx="0"/>
+            <a:endCxn id="12" idx="0"/>
+          </p:cNvCxnSpPr>
+          <p:nvPr/>
+        </p:nvCxnSpPr>
+        <p:spPr>
+          <a:xfrm rot="5400000" flipH="1" flipV="1">
+            <a:off x="2953988" y="913033"/>
+            <a:ext cx="4556" cy="1088995"/>
+          </a:xfrm>
+          <a:prstGeom prst="curvedConnector3">
+            <a:avLst>
+              <a:gd name="adj1" fmla="val 5117559"/>
+            </a:avLst>
+          </a:prstGeom>
+          <a:ln>
+            <a:tailEnd type="triangle"/>
+          </a:ln>
+        </p:spPr>
+        <p:style>
+          <a:lnRef idx="1">
+            <a:schemeClr val="accent1"/>
+          </a:lnRef>
+          <a:fillRef idx="0">
+            <a:schemeClr val="accent1"/>
+          </a:fillRef>
+          <a:effectRef idx="0">
+            <a:schemeClr val="accent1"/>
+          </a:effectRef>
+          <a:fontRef idx="minor">
+            <a:schemeClr val="tx1"/>
+          </a:fontRef>
+        </p:style>
+      </p:cxnSp>
+      <p:sp>
+        <p:nvSpPr>
+          <p:cNvPr id="34" name="文本框 33">
+            <a:extLst>
+              <a:ext uri="{FF2B5EF4-FFF2-40B4-BE49-F238E27FC236}">
+                <a16:creationId xmlns:a16="http://schemas.microsoft.com/office/drawing/2014/main" id="{1E72006A-33D9-454B-B383-58904AC8BFE3}"/>
+              </a:ext>
+            </a:extLst>
+          </p:cNvPr>
+          <p:cNvSpPr txBox="1"/>
+          <p:nvPr/>
+        </p:nvSpPr>
+        <p:spPr>
+          <a:xfrm>
+            <a:off x="3508159" y="469202"/>
+            <a:ext cx="4181376" cy="646331"/>
+          </a:xfrm>
+          <a:prstGeom prst="rect">
+            <a:avLst/>
+          </a:prstGeom>
+          <a:noFill/>
+        </p:spPr>
+        <p:txBody>
+          <a:bodyPr wrap="square" rtlCol="0">
+            <a:spAutoFit/>
+          </a:bodyPr>
+          <a:lstStyle/>
+          <a:p>
+            <a:r>
+              <a:rPr lang="zh-CN" altLang="en-US" dirty="0"/>
+              <a:t>当</a:t>
+            </a:r>
+            <a:r>
+              <a:rPr lang="en-US" altLang="zh-CN" dirty="0"/>
+              <a:t>pos=1</a:t>
+            </a:r>
+            <a:r>
+              <a:rPr lang="zh-CN" altLang="en-US" dirty="0"/>
+              <a:t>时，即任务要插在索引号</a:t>
+            </a:r>
+            <a:r>
+              <a:rPr lang="en-US" altLang="zh-CN" dirty="0"/>
+              <a:t>1</a:t>
+            </a:r>
+            <a:r>
+              <a:rPr lang="zh-CN" altLang="en-US" dirty="0"/>
+              <a:t>后面</a:t>
+            </a:r>
+            <a:endParaRPr lang="en-US" altLang="zh-CN" dirty="0"/>
+          </a:p>
+          <a:p>
+            <a:r>
+              <a:rPr lang="zh-CN" altLang="en-US" dirty="0"/>
+              <a:t>即当</a:t>
+            </a:r>
+            <a:r>
+              <a:rPr lang="en-US" altLang="zh-CN" dirty="0"/>
+              <a:t>count=2</a:t>
+            </a:r>
+            <a:r>
+              <a:rPr lang="zh-CN" altLang="en-US" dirty="0"/>
+              <a:t>时，终止循环</a:t>
+            </a:r>
+            <a:endParaRPr lang="en-US" altLang="zh-CN" dirty="0"/>
+          </a:p>
+        </p:txBody>
+      </p:sp>
+      <p:sp>
+        <p:nvSpPr>
+          <p:cNvPr id="36" name="文本框 35">
+            <a:extLst>
+              <a:ext uri="{FF2B5EF4-FFF2-40B4-BE49-F238E27FC236}">
+                <a16:creationId xmlns:a16="http://schemas.microsoft.com/office/drawing/2014/main" id="{E22BE7FB-88DE-44CA-BE96-826E0A36BEEC}"/>
+              </a:ext>
+            </a:extLst>
+          </p:cNvPr>
+          <p:cNvSpPr txBox="1"/>
+          <p:nvPr/>
+        </p:nvSpPr>
+        <p:spPr>
+          <a:xfrm>
+            <a:off x="9086297" y="396410"/>
+            <a:ext cx="2817179" cy="369332"/>
+          </a:xfrm>
+          <a:prstGeom prst="rect">
+            <a:avLst/>
+          </a:prstGeom>
+          <a:noFill/>
+        </p:spPr>
+        <p:txBody>
+          <a:bodyPr wrap="square" rtlCol="0">
+            <a:spAutoFit/>
+          </a:bodyPr>
+          <a:lstStyle/>
+          <a:p>
+            <a:r>
+              <a:rPr lang="zh-CN" altLang="en-US" dirty="0"/>
+              <a:t>在双向链表头部添加节点</a:t>
+            </a:r>
+            <a:endParaRPr lang="en-US" altLang="zh-CN" dirty="0"/>
+          </a:p>
+        </p:txBody>
+      </p:sp>
+      <p:cxnSp>
+        <p:nvCxnSpPr>
+          <p:cNvPr id="75" name="直接连接符 74">
+            <a:extLst>
+              <a:ext uri="{FF2B5EF4-FFF2-40B4-BE49-F238E27FC236}">
+                <a16:creationId xmlns:a16="http://schemas.microsoft.com/office/drawing/2014/main" id="{67C1CBC5-2DCB-4CF3-A577-56193F5251C3}"/>
+              </a:ext>
+            </a:extLst>
+          </p:cNvPr>
+          <p:cNvCxnSpPr>
+            <a:cxnSpLocks/>
+          </p:cNvCxnSpPr>
+          <p:nvPr/>
+        </p:nvCxnSpPr>
+        <p:spPr>
+          <a:xfrm>
+            <a:off x="119415" y="2778711"/>
+            <a:ext cx="12192000" cy="0"/>
+          </a:xfrm>
+          <a:prstGeom prst="line">
+            <a:avLst/>
+          </a:prstGeom>
+          <a:ln w="38100">
+            <a:solidFill>
+              <a:srgbClr val="00B050"/>
+            </a:solidFill>
+          </a:ln>
+        </p:spPr>
+        <p:style>
+          <a:lnRef idx="1">
+            <a:schemeClr val="accent1"/>
+          </a:lnRef>
+          <a:fillRef idx="0">
+            <a:schemeClr val="accent1"/>
+          </a:fillRef>
+          <a:effectRef idx="0">
+            <a:schemeClr val="accent1"/>
+          </a:effectRef>
+          <a:fontRef idx="minor">
+            <a:schemeClr val="tx1"/>
+          </a:fontRef>
+        </p:style>
+      </p:cxnSp>
+      <p:cxnSp>
+        <p:nvCxnSpPr>
+          <p:cNvPr id="92" name="连接符: 曲线 91">
+            <a:extLst>
+              <a:ext uri="{FF2B5EF4-FFF2-40B4-BE49-F238E27FC236}">
+                <a16:creationId xmlns:a16="http://schemas.microsoft.com/office/drawing/2014/main" id="{52516585-1EA1-4997-BA68-C8D55599F9F0}"/>
+              </a:ext>
+            </a:extLst>
+          </p:cNvPr>
+          <p:cNvCxnSpPr>
+            <a:cxnSpLocks/>
+            <a:stCxn id="19" idx="3"/>
+            <a:endCxn id="7" idx="0"/>
+          </p:cNvCxnSpPr>
+          <p:nvPr/>
+        </p:nvCxnSpPr>
+        <p:spPr>
+          <a:xfrm>
+            <a:off x="1060448" y="1276197"/>
+            <a:ext cx="697332" cy="183612"/>
+          </a:xfrm>
+          <a:prstGeom prst="curvedConnector2">
+            <a:avLst/>
+          </a:prstGeom>
+          <a:ln>
+            <a:tailEnd type="triangle"/>
+          </a:ln>
+        </p:spPr>
+        <p:style>
+          <a:lnRef idx="1">
+            <a:schemeClr val="accent1"/>
+          </a:lnRef>
+          <a:fillRef idx="0">
+            <a:schemeClr val="accent1"/>
+          </a:fillRef>
+          <a:effectRef idx="0">
+            <a:schemeClr val="accent1"/>
+          </a:effectRef>
+          <a:fontRef idx="minor">
+            <a:schemeClr val="tx1"/>
+          </a:fontRef>
+        </p:style>
+      </p:cxnSp>
+      <p:cxnSp>
+        <p:nvCxnSpPr>
+          <p:cNvPr id="37" name="连接符: 曲线 36">
+            <a:extLst>
+              <a:ext uri="{FF2B5EF4-FFF2-40B4-BE49-F238E27FC236}">
+                <a16:creationId xmlns:a16="http://schemas.microsoft.com/office/drawing/2014/main" id="{643F572D-9C4F-492D-AD83-3A5946960B1D}"/>
+              </a:ext>
+            </a:extLst>
+          </p:cNvPr>
+          <p:cNvCxnSpPr>
+            <a:cxnSpLocks/>
+            <a:stCxn id="13" idx="0"/>
+            <a:endCxn id="17" idx="0"/>
+          </p:cNvCxnSpPr>
+          <p:nvPr/>
+        </p:nvCxnSpPr>
+        <p:spPr>
+          <a:xfrm rot="5400000" flipH="1" flipV="1">
+            <a:off x="4707212" y="890610"/>
+            <a:ext cx="12183" cy="1117100"/>
+          </a:xfrm>
+          <a:prstGeom prst="curvedConnector3">
+            <a:avLst>
+              <a:gd name="adj1" fmla="val 1976385"/>
+            </a:avLst>
+          </a:prstGeom>
+          <a:ln>
+            <a:tailEnd type="triangle"/>
+          </a:ln>
+        </p:spPr>
+        <p:style>
+          <a:lnRef idx="1">
+            <a:schemeClr val="accent1"/>
+          </a:lnRef>
+          <a:fillRef idx="0">
+            <a:schemeClr val="accent1"/>
+          </a:fillRef>
+          <a:effectRef idx="0">
+            <a:schemeClr val="accent1"/>
+          </a:effectRef>
+          <a:fontRef idx="minor">
+            <a:schemeClr val="tx1"/>
+          </a:fontRef>
+        </p:style>
+      </p:cxnSp>
+      <p:grpSp>
+        <p:nvGrpSpPr>
+          <p:cNvPr id="41" name="组合 40">
+            <a:extLst>
+              <a:ext uri="{FF2B5EF4-FFF2-40B4-BE49-F238E27FC236}">
+                <a16:creationId xmlns:a16="http://schemas.microsoft.com/office/drawing/2014/main" id="{06DD49E8-0799-489A-A85B-60F8B8D8FAE6}"/>
+              </a:ext>
+            </a:extLst>
+          </p:cNvPr>
+          <p:cNvGrpSpPr/>
+          <p:nvPr/>
+        </p:nvGrpSpPr>
+        <p:grpSpPr>
+          <a:xfrm>
+            <a:off x="6708564" y="1443067"/>
+            <a:ext cx="1307977" cy="727966"/>
+            <a:chOff x="1074198" y="1748900"/>
+            <a:chExt cx="2645546" cy="781236"/>
+          </a:xfrm>
+          <a:solidFill>
+            <a:schemeClr val="accent3">
+              <a:lumMod val="40000"/>
+              <a:lumOff val="60000"/>
+            </a:schemeClr>
+          </a:solidFill>
+        </p:grpSpPr>
+        <p:sp>
+          <p:nvSpPr>
+            <p:cNvPr id="42" name="矩形 41">
+              <a:extLst>
+                <a:ext uri="{FF2B5EF4-FFF2-40B4-BE49-F238E27FC236}">
+                  <a16:creationId xmlns:a16="http://schemas.microsoft.com/office/drawing/2014/main" id="{2F20D2A5-2D33-434F-870E-45FA6AECED58}"/>
+                </a:ext>
+              </a:extLst>
+            </p:cNvPr>
+            <p:cNvSpPr/>
+            <p:nvPr/>
+          </p:nvSpPr>
+          <p:spPr>
+            <a:xfrm>
+              <a:off x="1074198" y="1748901"/>
+              <a:ext cx="1322773" cy="781235"/>
+            </a:xfrm>
+            <a:prstGeom prst="rect">
+              <a:avLst/>
+            </a:prstGeom>
+            <a:grpFill/>
+          </p:spPr>
+          <p:style>
+            <a:lnRef idx="2">
+              <a:schemeClr val="accent1">
+                <a:shade val="50000"/>
+              </a:schemeClr>
+            </a:lnRef>
+            <a:fillRef idx="1">
+              <a:schemeClr val="accent1"/>
+            </a:fillRef>
+            <a:effectRef idx="0">
+              <a:schemeClr val="accent1"/>
+            </a:effectRef>
+            <a:fontRef idx="minor">
+              <a:schemeClr val="lt1"/>
+            </a:fontRef>
+          </p:style>
+          <p:txBody>
+            <a:bodyPr rtlCol="0" anchor="ctr"/>
+            <a:lstStyle/>
+            <a:p>
+              <a:pPr algn="ctr"/>
+              <a:r>
+                <a:rPr lang="en-US" altLang="zh-CN">
+                  <a:solidFill>
+                    <a:schemeClr val="tx1"/>
+                  </a:solidFill>
+                </a:rPr>
+                <a:t>4</a:t>
+              </a:r>
+              <a:endParaRPr lang="zh-CN" altLang="en-US" dirty="0">
+                <a:solidFill>
+                  <a:schemeClr val="tx1"/>
+                </a:solidFill>
+              </a:endParaRPr>
+            </a:p>
+          </p:txBody>
+        </p:sp>
+        <p:sp>
+          <p:nvSpPr>
+            <p:cNvPr id="43" name="矩形 42">
+              <a:extLst>
+                <a:ext uri="{FF2B5EF4-FFF2-40B4-BE49-F238E27FC236}">
+                  <a16:creationId xmlns:a16="http://schemas.microsoft.com/office/drawing/2014/main" id="{1D5BE685-208C-498A-ABFF-4088FC235A3C}"/>
+                </a:ext>
+              </a:extLst>
+            </p:cNvPr>
+            <p:cNvSpPr/>
+            <p:nvPr/>
+          </p:nvSpPr>
+          <p:spPr>
+            <a:xfrm>
+              <a:off x="2396971" y="1748900"/>
+              <a:ext cx="1322773" cy="781235"/>
+            </a:xfrm>
+            <a:prstGeom prst="rect">
+              <a:avLst/>
+            </a:prstGeom>
+            <a:grpFill/>
+          </p:spPr>
+          <p:style>
+            <a:lnRef idx="2">
+              <a:schemeClr val="accent1">
+                <a:shade val="50000"/>
+              </a:schemeClr>
+            </a:lnRef>
+            <a:fillRef idx="1">
+              <a:schemeClr val="accent1"/>
+            </a:fillRef>
+            <a:effectRef idx="0">
+              <a:schemeClr val="accent1"/>
+            </a:effectRef>
+            <a:fontRef idx="minor">
+              <a:schemeClr val="lt1"/>
+            </a:fontRef>
+          </p:style>
+          <p:txBody>
+            <a:bodyPr rtlCol="0" anchor="ctr"/>
+            <a:lstStyle/>
+            <a:p>
+              <a:pPr algn="ctr"/>
+              <a:r>
+                <a:rPr lang="zh-CN" altLang="en-US" dirty="0">
+                  <a:solidFill>
+                    <a:schemeClr val="tx1"/>
+                  </a:solidFill>
+                </a:rPr>
+                <a:t>指针</a:t>
+              </a:r>
+            </a:p>
+          </p:txBody>
+        </p:sp>
+      </p:grpSp>
+      <p:cxnSp>
+        <p:nvCxnSpPr>
+          <p:cNvPr id="44" name="连接符: 曲线 43">
+            <a:extLst>
+              <a:ext uri="{FF2B5EF4-FFF2-40B4-BE49-F238E27FC236}">
+                <a16:creationId xmlns:a16="http://schemas.microsoft.com/office/drawing/2014/main" id="{555347B1-37A9-4E69-9A2C-758789491C5F}"/>
+              </a:ext>
+            </a:extLst>
+          </p:cNvPr>
+          <p:cNvCxnSpPr>
+            <a:cxnSpLocks/>
+            <a:endCxn id="42" idx="0"/>
+          </p:cNvCxnSpPr>
+          <p:nvPr/>
+        </p:nvCxnSpPr>
+        <p:spPr>
+          <a:xfrm flipV="1">
+            <a:off x="5986511" y="1443068"/>
+            <a:ext cx="1049048" cy="6350"/>
+          </a:xfrm>
+          <a:prstGeom prst="curvedConnector4">
+            <a:avLst>
+              <a:gd name="adj1" fmla="val -14668"/>
+              <a:gd name="adj2" fmla="val 3700000"/>
+            </a:avLst>
+          </a:prstGeom>
+          <a:ln>
+            <a:tailEnd type="triangle"/>
+          </a:ln>
+        </p:spPr>
+        <p:style>
+          <a:lnRef idx="1">
+            <a:schemeClr val="accent1"/>
+          </a:lnRef>
+          <a:fillRef idx="0">
+            <a:schemeClr val="accent1"/>
+          </a:fillRef>
+          <a:effectRef idx="0">
+            <a:schemeClr val="accent1"/>
+          </a:effectRef>
+          <a:fontRef idx="minor">
+            <a:schemeClr val="tx1"/>
+          </a:fontRef>
+        </p:style>
+      </p:cxnSp>
+      <p:grpSp>
+        <p:nvGrpSpPr>
+          <p:cNvPr id="48" name="组合 47">
+            <a:extLst>
+              <a:ext uri="{FF2B5EF4-FFF2-40B4-BE49-F238E27FC236}">
+                <a16:creationId xmlns:a16="http://schemas.microsoft.com/office/drawing/2014/main" id="{4DFFC4AE-D93D-40A1-A1E2-B119E71F7E13}"/>
+              </a:ext>
+            </a:extLst>
+          </p:cNvPr>
+          <p:cNvGrpSpPr/>
+          <p:nvPr/>
+        </p:nvGrpSpPr>
+        <p:grpSpPr>
+          <a:xfrm>
+            <a:off x="8778542" y="1418831"/>
+            <a:ext cx="1307977" cy="727966"/>
+            <a:chOff x="1074198" y="1748900"/>
+            <a:chExt cx="2645546" cy="781236"/>
+          </a:xfrm>
+          <a:solidFill>
+            <a:schemeClr val="accent3">
+              <a:lumMod val="40000"/>
+              <a:lumOff val="60000"/>
+            </a:schemeClr>
+          </a:solidFill>
+        </p:grpSpPr>
+        <p:sp>
+          <p:nvSpPr>
+            <p:cNvPr id="49" name="矩形 48">
+              <a:extLst>
+                <a:ext uri="{FF2B5EF4-FFF2-40B4-BE49-F238E27FC236}">
+                  <a16:creationId xmlns:a16="http://schemas.microsoft.com/office/drawing/2014/main" id="{A251FA1B-4A5D-4140-AF1B-23F7B73B62DA}"/>
+                </a:ext>
+              </a:extLst>
+            </p:cNvPr>
+            <p:cNvSpPr/>
+            <p:nvPr/>
+          </p:nvSpPr>
+          <p:spPr>
+            <a:xfrm>
+              <a:off x="1074198" y="1748901"/>
+              <a:ext cx="1322773" cy="781235"/>
+            </a:xfrm>
+            <a:prstGeom prst="rect">
+              <a:avLst/>
+            </a:prstGeom>
+            <a:grpFill/>
+          </p:spPr>
+          <p:style>
+            <a:lnRef idx="2">
+              <a:schemeClr val="accent1">
+                <a:shade val="50000"/>
+              </a:schemeClr>
+            </a:lnRef>
+            <a:fillRef idx="1">
+              <a:schemeClr val="accent1"/>
+            </a:fillRef>
+            <a:effectRef idx="0">
+              <a:schemeClr val="accent1"/>
+            </a:effectRef>
+            <a:fontRef idx="minor">
+              <a:schemeClr val="lt1"/>
+            </a:fontRef>
+          </p:style>
+          <p:txBody>
+            <a:bodyPr rtlCol="0" anchor="ctr"/>
+            <a:lstStyle/>
+            <a:p>
+              <a:pPr algn="ctr"/>
+              <a:r>
+                <a:rPr lang="en-US" altLang="zh-CN">
+                  <a:solidFill>
+                    <a:schemeClr val="tx1"/>
+                  </a:solidFill>
+                </a:rPr>
+                <a:t>5</a:t>
+              </a:r>
+              <a:endParaRPr lang="zh-CN" altLang="en-US" dirty="0">
+                <a:solidFill>
+                  <a:schemeClr val="tx1"/>
+                </a:solidFill>
+              </a:endParaRPr>
+            </a:p>
+          </p:txBody>
+        </p:sp>
+        <p:sp>
+          <p:nvSpPr>
+            <p:cNvPr id="50" name="矩形 49">
+              <a:extLst>
+                <a:ext uri="{FF2B5EF4-FFF2-40B4-BE49-F238E27FC236}">
+                  <a16:creationId xmlns:a16="http://schemas.microsoft.com/office/drawing/2014/main" id="{F704E10B-ADCA-4637-8C1C-B5C1423750E3}"/>
+                </a:ext>
+              </a:extLst>
+            </p:cNvPr>
+            <p:cNvSpPr/>
+            <p:nvPr/>
+          </p:nvSpPr>
+          <p:spPr>
+            <a:xfrm>
+              <a:off x="2396971" y="1748900"/>
+              <a:ext cx="1322773" cy="781235"/>
+            </a:xfrm>
+            <a:prstGeom prst="rect">
+              <a:avLst/>
+            </a:prstGeom>
+            <a:grpFill/>
+          </p:spPr>
+          <p:style>
+            <a:lnRef idx="2">
+              <a:schemeClr val="accent1">
+                <a:shade val="50000"/>
+              </a:schemeClr>
+            </a:lnRef>
+            <a:fillRef idx="1">
+              <a:schemeClr val="accent1"/>
+            </a:fillRef>
+            <a:effectRef idx="0">
+              <a:schemeClr val="accent1"/>
+            </a:effectRef>
+            <a:fontRef idx="minor">
+              <a:schemeClr val="lt1"/>
+            </a:fontRef>
+          </p:style>
+          <p:txBody>
+            <a:bodyPr rtlCol="0" anchor="ctr"/>
+            <a:lstStyle/>
+            <a:p>
+              <a:pPr algn="ctr"/>
+              <a:r>
+                <a:rPr lang="zh-CN" altLang="en-US" dirty="0">
+                  <a:solidFill>
+                    <a:schemeClr val="tx1"/>
+                  </a:solidFill>
+                </a:rPr>
+                <a:t>指针</a:t>
+              </a:r>
+            </a:p>
+          </p:txBody>
+        </p:sp>
+      </p:grpSp>
+      <p:cxnSp>
+        <p:nvCxnSpPr>
+          <p:cNvPr id="51" name="连接符: 曲线 50">
+            <a:extLst>
+              <a:ext uri="{FF2B5EF4-FFF2-40B4-BE49-F238E27FC236}">
+                <a16:creationId xmlns:a16="http://schemas.microsoft.com/office/drawing/2014/main" id="{E6C3CB28-347D-426D-ABC4-8C191643E23A}"/>
+              </a:ext>
+            </a:extLst>
+          </p:cNvPr>
+          <p:cNvCxnSpPr>
+            <a:cxnSpLocks/>
+            <a:stCxn id="114" idx="0"/>
+            <a:endCxn id="117" idx="0"/>
+          </p:cNvCxnSpPr>
+          <p:nvPr/>
+        </p:nvCxnSpPr>
+        <p:spPr>
+          <a:xfrm rot="16200000" flipH="1">
+            <a:off x="3525175" y="3130830"/>
+            <a:ext cx="1" cy="1572827"/>
+          </a:xfrm>
+          <a:prstGeom prst="curvedConnector3">
+            <a:avLst>
+              <a:gd name="adj1" fmla="val -22860000000"/>
+            </a:avLst>
+          </a:prstGeom>
+          <a:ln>
+            <a:tailEnd type="triangle"/>
+          </a:ln>
+        </p:spPr>
+        <p:style>
+          <a:lnRef idx="1">
+            <a:schemeClr val="accent1"/>
+          </a:lnRef>
+          <a:fillRef idx="0">
+            <a:schemeClr val="accent1"/>
+          </a:fillRef>
+          <a:effectRef idx="0">
+            <a:schemeClr val="accent1"/>
+          </a:effectRef>
+          <a:fontRef idx="minor">
+            <a:schemeClr val="tx1"/>
+          </a:fontRef>
+        </p:style>
+      </p:cxnSp>
+      <p:sp>
+        <p:nvSpPr>
+          <p:cNvPr id="98" name="矩形 97">
+            <a:extLst>
+              <a:ext uri="{FF2B5EF4-FFF2-40B4-BE49-F238E27FC236}">
+                <a16:creationId xmlns:a16="http://schemas.microsoft.com/office/drawing/2014/main" id="{663E3337-CADB-4B8E-98D6-C618E5763AD3}"/>
+              </a:ext>
+            </a:extLst>
+          </p:cNvPr>
+          <p:cNvSpPr/>
+          <p:nvPr/>
+        </p:nvSpPr>
+        <p:spPr>
+          <a:xfrm>
+            <a:off x="75333" y="2910845"/>
+            <a:ext cx="941033" cy="727966"/>
+          </a:xfrm>
+          <a:prstGeom prst="rect">
+            <a:avLst/>
+          </a:prstGeom>
+          <a:solidFill>
+            <a:schemeClr val="accent3">
+              <a:lumMod val="40000"/>
+              <a:lumOff val="60000"/>
+            </a:schemeClr>
+          </a:solidFill>
+        </p:spPr>
+        <p:style>
+          <a:lnRef idx="2">
+            <a:schemeClr val="accent1">
+              <a:shade val="50000"/>
+            </a:schemeClr>
+          </a:lnRef>
+          <a:fillRef idx="1">
+            <a:schemeClr val="accent1"/>
+          </a:fillRef>
+          <a:effectRef idx="0">
+            <a:schemeClr val="accent1"/>
+          </a:effectRef>
+          <a:fontRef idx="minor">
+            <a:schemeClr val="lt1"/>
+          </a:fontRef>
+        </p:style>
+        <p:txBody>
+          <a:bodyPr rtlCol="0" anchor="ctr"/>
+          <a:lstStyle/>
+          <a:p>
+            <a:pPr algn="ctr"/>
+            <a:r>
+              <a:rPr lang="zh-CN" altLang="en-US" dirty="0">
+                <a:solidFill>
+                  <a:schemeClr val="tx1"/>
+                </a:solidFill>
+              </a:rPr>
+              <a:t>空指针</a:t>
+            </a:r>
+          </a:p>
+        </p:txBody>
+      </p:sp>
+      <p:cxnSp>
+        <p:nvCxnSpPr>
+          <p:cNvPr id="100" name="连接符: 曲线 99">
+            <a:extLst>
+              <a:ext uri="{FF2B5EF4-FFF2-40B4-BE49-F238E27FC236}">
+                <a16:creationId xmlns:a16="http://schemas.microsoft.com/office/drawing/2014/main" id="{A4C6516D-9883-4AE0-984D-1B8338FF0FA4}"/>
+              </a:ext>
+            </a:extLst>
+          </p:cNvPr>
+          <p:cNvCxnSpPr>
+            <a:cxnSpLocks/>
+            <a:stCxn id="98" idx="3"/>
+            <a:endCxn id="113" idx="0"/>
+          </p:cNvCxnSpPr>
+          <p:nvPr/>
+        </p:nvCxnSpPr>
+        <p:spPr>
+          <a:xfrm>
+            <a:off x="1016366" y="3274828"/>
+            <a:ext cx="1068408" cy="642416"/>
+          </a:xfrm>
+          <a:prstGeom prst="curvedConnector2">
+            <a:avLst/>
+          </a:prstGeom>
+          <a:ln>
+            <a:tailEnd type="triangle"/>
+          </a:ln>
+        </p:spPr>
+        <p:style>
+          <a:lnRef idx="1">
+            <a:schemeClr val="accent1"/>
+          </a:lnRef>
+          <a:fillRef idx="0">
+            <a:schemeClr val="accent1"/>
+          </a:fillRef>
+          <a:effectRef idx="0">
+            <a:schemeClr val="accent1"/>
+          </a:effectRef>
+          <a:fontRef idx="minor">
+            <a:schemeClr val="tx1"/>
+          </a:fontRef>
+        </p:style>
+      </p:cxnSp>
+      <p:grpSp>
+        <p:nvGrpSpPr>
+          <p:cNvPr id="112" name="组合 111">
+            <a:extLst>
+              <a:ext uri="{FF2B5EF4-FFF2-40B4-BE49-F238E27FC236}">
+                <a16:creationId xmlns:a16="http://schemas.microsoft.com/office/drawing/2014/main" id="{3E1AFE4C-70E0-4BCC-AB61-E2EABA93CA1F}"/>
+              </a:ext>
+            </a:extLst>
+          </p:cNvPr>
+          <p:cNvGrpSpPr/>
+          <p:nvPr/>
+        </p:nvGrpSpPr>
+        <p:grpSpPr>
+          <a:xfrm>
+            <a:off x="1757779" y="3917243"/>
+            <a:ext cx="1307977" cy="727966"/>
+            <a:chOff x="1074198" y="1748900"/>
+            <a:chExt cx="2645546" cy="781236"/>
+          </a:xfrm>
+          <a:solidFill>
+            <a:schemeClr val="accent3">
+              <a:lumMod val="40000"/>
+              <a:lumOff val="60000"/>
+            </a:schemeClr>
+          </a:solidFill>
+        </p:grpSpPr>
+        <p:sp>
+          <p:nvSpPr>
+            <p:cNvPr id="113" name="矩形 112">
+              <a:extLst>
+                <a:ext uri="{FF2B5EF4-FFF2-40B4-BE49-F238E27FC236}">
+                  <a16:creationId xmlns:a16="http://schemas.microsoft.com/office/drawing/2014/main" id="{CD71B40C-78C0-40EA-8149-744D3E99D827}"/>
+                </a:ext>
+              </a:extLst>
+            </p:cNvPr>
+            <p:cNvSpPr/>
+            <p:nvPr/>
+          </p:nvSpPr>
+          <p:spPr>
+            <a:xfrm>
+              <a:off x="1074198" y="1748901"/>
+              <a:ext cx="1322773" cy="781235"/>
+            </a:xfrm>
+            <a:prstGeom prst="rect">
+              <a:avLst/>
+            </a:prstGeom>
+          </p:spPr>
+          <p:style>
+            <a:lnRef idx="2">
+              <a:schemeClr val="accent4">
+                <a:shade val="50000"/>
+              </a:schemeClr>
+            </a:lnRef>
+            <a:fillRef idx="1">
+              <a:schemeClr val="accent4"/>
+            </a:fillRef>
+            <a:effectRef idx="0">
+              <a:schemeClr val="accent4"/>
+            </a:effectRef>
+            <a:fontRef idx="minor">
+              <a:schemeClr val="lt1"/>
+            </a:fontRef>
+          </p:style>
+          <p:txBody>
+            <a:bodyPr rtlCol="0" anchor="ctr"/>
+            <a:lstStyle/>
+            <a:p>
+              <a:pPr algn="ctr"/>
+              <a:r>
+                <a:rPr lang="en-US" altLang="zh-CN">
+                  <a:solidFill>
+                    <a:schemeClr val="tx1"/>
+                  </a:solidFill>
+                </a:rPr>
+                <a:t>5</a:t>
+              </a:r>
+              <a:endParaRPr lang="zh-CN" altLang="en-US" dirty="0">
+                <a:solidFill>
+                  <a:schemeClr val="tx1"/>
+                </a:solidFill>
+              </a:endParaRPr>
+            </a:p>
+          </p:txBody>
+        </p:sp>
+        <p:sp>
+          <p:nvSpPr>
+            <p:cNvPr id="114" name="矩形 113">
+              <a:extLst>
+                <a:ext uri="{FF2B5EF4-FFF2-40B4-BE49-F238E27FC236}">
+                  <a16:creationId xmlns:a16="http://schemas.microsoft.com/office/drawing/2014/main" id="{32700A69-2A98-4BB5-87A3-7E2097AA288C}"/>
+                </a:ext>
+              </a:extLst>
+            </p:cNvPr>
+            <p:cNvSpPr/>
+            <p:nvPr/>
+          </p:nvSpPr>
+          <p:spPr>
+            <a:xfrm>
+              <a:off x="2396971" y="1748900"/>
+              <a:ext cx="1322773" cy="781235"/>
+            </a:xfrm>
+            <a:prstGeom prst="rect">
+              <a:avLst/>
+            </a:prstGeom>
+          </p:spPr>
+          <p:style>
+            <a:lnRef idx="2">
+              <a:schemeClr val="accent4">
+                <a:shade val="50000"/>
+              </a:schemeClr>
+            </a:lnRef>
+            <a:fillRef idx="1">
+              <a:schemeClr val="accent4"/>
+            </a:fillRef>
+            <a:effectRef idx="0">
+              <a:schemeClr val="accent4"/>
+            </a:effectRef>
+            <a:fontRef idx="minor">
+              <a:schemeClr val="lt1"/>
+            </a:fontRef>
+          </p:style>
+          <p:txBody>
+            <a:bodyPr rtlCol="0" anchor="ctr"/>
+            <a:lstStyle/>
+            <a:p>
+              <a:pPr algn="ctr"/>
+              <a:r>
+                <a:rPr lang="zh-CN" altLang="en-US" dirty="0">
+                  <a:solidFill>
+                    <a:schemeClr val="tx1"/>
+                  </a:solidFill>
+                </a:rPr>
+                <a:t>指针</a:t>
+              </a:r>
+            </a:p>
+          </p:txBody>
+        </p:sp>
+      </p:grpSp>
+      <p:grpSp>
+        <p:nvGrpSpPr>
+          <p:cNvPr id="116" name="组合 115">
+            <a:extLst>
+              <a:ext uri="{FF2B5EF4-FFF2-40B4-BE49-F238E27FC236}">
+                <a16:creationId xmlns:a16="http://schemas.microsoft.com/office/drawing/2014/main" id="{F7A1256B-59D6-42E0-A807-805A58149B29}"/>
+              </a:ext>
+            </a:extLst>
+          </p:cNvPr>
+          <p:cNvGrpSpPr/>
+          <p:nvPr/>
+        </p:nvGrpSpPr>
+        <p:grpSpPr>
+          <a:xfrm>
+            <a:off x="3984595" y="3917243"/>
+            <a:ext cx="1307977" cy="727966"/>
+            <a:chOff x="1074198" y="1748900"/>
+            <a:chExt cx="2645546" cy="781236"/>
+          </a:xfrm>
+          <a:solidFill>
+            <a:schemeClr val="accent3">
+              <a:lumMod val="40000"/>
+              <a:lumOff val="60000"/>
+            </a:schemeClr>
+          </a:solidFill>
+        </p:grpSpPr>
+        <p:sp>
+          <p:nvSpPr>
+            <p:cNvPr id="117" name="矩形 116">
+              <a:extLst>
+                <a:ext uri="{FF2B5EF4-FFF2-40B4-BE49-F238E27FC236}">
+                  <a16:creationId xmlns:a16="http://schemas.microsoft.com/office/drawing/2014/main" id="{14BE17D3-4FF2-4AC5-A4DD-9EE165658978}"/>
+                </a:ext>
+              </a:extLst>
+            </p:cNvPr>
+            <p:cNvSpPr/>
+            <p:nvPr/>
+          </p:nvSpPr>
+          <p:spPr>
+            <a:xfrm>
+              <a:off x="1074198" y="1748901"/>
+              <a:ext cx="1322773" cy="781235"/>
+            </a:xfrm>
+            <a:prstGeom prst="rect">
+              <a:avLst/>
+            </a:prstGeom>
+            <a:grpFill/>
+          </p:spPr>
+          <p:style>
+            <a:lnRef idx="2">
+              <a:schemeClr val="accent1">
+                <a:shade val="50000"/>
+              </a:schemeClr>
+            </a:lnRef>
+            <a:fillRef idx="1">
+              <a:schemeClr val="accent1"/>
+            </a:fillRef>
+            <a:effectRef idx="0">
+              <a:schemeClr val="accent1"/>
+            </a:effectRef>
+            <a:fontRef idx="minor">
+              <a:schemeClr val="lt1"/>
+            </a:fontRef>
+          </p:style>
+          <p:txBody>
+            <a:bodyPr rtlCol="0" anchor="ctr"/>
+            <a:lstStyle/>
+            <a:p>
+              <a:pPr algn="ctr"/>
+              <a:r>
+                <a:rPr lang="en-US" altLang="zh-CN">
+                  <a:solidFill>
+                    <a:schemeClr val="tx1"/>
+                  </a:solidFill>
+                </a:rPr>
+                <a:t>4</a:t>
+              </a:r>
+              <a:endParaRPr lang="zh-CN" altLang="en-US" dirty="0">
+                <a:solidFill>
+                  <a:schemeClr val="tx1"/>
+                </a:solidFill>
+              </a:endParaRPr>
+            </a:p>
+          </p:txBody>
+        </p:sp>
+        <p:sp>
+          <p:nvSpPr>
+            <p:cNvPr id="118" name="矩形 117">
+              <a:extLst>
+                <a:ext uri="{FF2B5EF4-FFF2-40B4-BE49-F238E27FC236}">
+                  <a16:creationId xmlns:a16="http://schemas.microsoft.com/office/drawing/2014/main" id="{B856DB08-6B63-442D-AA37-96C50BDCB0B9}"/>
+                </a:ext>
+              </a:extLst>
+            </p:cNvPr>
+            <p:cNvSpPr/>
+            <p:nvPr/>
+          </p:nvSpPr>
+          <p:spPr>
+            <a:xfrm>
+              <a:off x="2396971" y="1748900"/>
+              <a:ext cx="1322773" cy="781235"/>
+            </a:xfrm>
+            <a:prstGeom prst="rect">
+              <a:avLst/>
+            </a:prstGeom>
+            <a:grpFill/>
+          </p:spPr>
+          <p:style>
+            <a:lnRef idx="2">
+              <a:schemeClr val="accent1">
+                <a:shade val="50000"/>
+              </a:schemeClr>
+            </a:lnRef>
+            <a:fillRef idx="1">
+              <a:schemeClr val="accent1"/>
+            </a:fillRef>
+            <a:effectRef idx="0">
+              <a:schemeClr val="accent1"/>
+            </a:effectRef>
+            <a:fontRef idx="minor">
+              <a:schemeClr val="lt1"/>
+            </a:fontRef>
+          </p:style>
+          <p:txBody>
+            <a:bodyPr rtlCol="0" anchor="ctr"/>
+            <a:lstStyle/>
+            <a:p>
+              <a:pPr algn="ctr"/>
+              <a:r>
+                <a:rPr lang="zh-CN" altLang="en-US" dirty="0">
+                  <a:solidFill>
+                    <a:schemeClr val="tx1"/>
+                  </a:solidFill>
+                </a:rPr>
+                <a:t>指针</a:t>
+              </a:r>
+            </a:p>
+          </p:txBody>
+        </p:sp>
+      </p:grpSp>
+    </p:spTree>
+    <p:extLst>
+      <p:ext uri="{BB962C8B-B14F-4D97-AF65-F5344CB8AC3E}">
+        <p14:creationId xmlns:p14="http://schemas.microsoft.com/office/powerpoint/2010/main" val="2748149519"/>
+      </p:ext>
+    </p:extLst>
+  </p:cSld>
+  <p:clrMapOvr>
+    <a:masterClrMapping/>
+  </p:clrMapOvr>
+</p:sld>
+</file>
+
 <file path=ppt/slides/slide2.xml><?xml version="1.0" encoding="utf-8"?>
 <p:sld xmlns:a="http://schemas.openxmlformats.org/drawingml/2006/main" xmlns:r="http://schemas.openxmlformats.org/officeDocument/2006/relationships" xmlns:p="http://schemas.openxmlformats.org/presentationml/2006/main">
   <p:cSld>
